--- a/Введение в ABAP/Презентации/ABAP_prog_intro.pptx
+++ b/Введение в ABAP/Презентации/ABAP_prog_intro.pptx
@@ -19,22 +19,22 @@
   <p:notesSz cx="6858000" cy="9144000"/>
   <p:embeddedFontLst>
     <p:embeddedFont>
-      <p:font typeface="Prata" panose="020B0604020202020204" charset="-52"/>
+      <p:font typeface="Calibri" panose="020F0502020204030204" pitchFamily="34" charset="0"/>
       <p:regular r:id="rId9"/>
+      <p:bold r:id="rId10"/>
+      <p:italic r:id="rId11"/>
+      <p:boldItalic r:id="rId12"/>
     </p:embeddedFont>
     <p:embeddedFont>
-      <p:font typeface="Noto Sans" panose="020B0604020202020204" charset="0"/>
-      <p:regular r:id="rId10"/>
-      <p:bold r:id="rId11"/>
-      <p:italic r:id="rId12"/>
-      <p:boldItalic r:id="rId13"/>
+      <p:font typeface="Noto Sans" panose="020B0502040504020204" pitchFamily="34" charset="0"/>
+      <p:regular r:id="rId13"/>
+      <p:bold r:id="rId14"/>
+      <p:italic r:id="rId15"/>
+      <p:boldItalic r:id="rId16"/>
     </p:embeddedFont>
     <p:embeddedFont>
-      <p:font typeface="Calibri" panose="020F0502020204030204" pitchFamily="34" charset="0"/>
-      <p:regular r:id="rId14"/>
-      <p:bold r:id="rId15"/>
-      <p:italic r:id="rId16"/>
-      <p:boldItalic r:id="rId17"/>
+      <p:font typeface="Prata" panose="020B0604020202020204" charset="-52"/>
+      <p:regular r:id="rId17"/>
     </p:embeddedFont>
   </p:embeddedFontLst>
   <p:defaultTextStyle>
@@ -134,7 +134,7 @@
   </p:defaultTextStyle>
   <p:extLst>
     <p:ext uri="{EFAFB233-063F-42B5-8137-9DF3F51BA10A}">
-      <p15:sldGuideLst xmlns:p15="http://schemas.microsoft.com/office/powerpoint/2012/main" xmlns="">
+      <p15:sldGuideLst xmlns:p15="http://schemas.microsoft.com/office/powerpoint/2012/main">
         <p15:guide id="1" orient="horz" pos="2319" userDrawn="1">
           <p15:clr>
             <a:srgbClr val="A4A3A4"/>
@@ -174,6 +174,34 @@
     </p:ext>
   </p:extLst>
 </p:presentation>
+</file>
+
+<file path=ppt/authors.xml><?xml version="1.0" encoding="utf-8"?>
+<p188:authorLst xmlns:a="http://schemas.openxmlformats.org/drawingml/2006/main" xmlns:r="http://schemas.openxmlformats.org/officeDocument/2006/relationships" xmlns:p188="http://schemas.microsoft.com/office/powerpoint/2018/8/main">
+  <p188:author id="{0DD22E68-AB25-3660-D504-6C3F770555DA}" name="Елена Рыбакова" initials="ЕР" userId="f6da5b73bdf0701c" providerId="Windows Live"/>
+</p188:authorLst>
+</file>
+
+<file path=ppt/comments/modernComment_109_2D53A0B4.xml><?xml version="1.0" encoding="utf-8"?>
+<p188:cmLst xmlns:a="http://schemas.openxmlformats.org/drawingml/2006/main" xmlns:r="http://schemas.openxmlformats.org/officeDocument/2006/relationships" xmlns:p188="http://schemas.microsoft.com/office/powerpoint/2018/8/main">
+  <p188:cm id="{2AC70171-323C-4D00-969D-1A8FD83A05D1}" authorId="{0DD22E68-AB25-3660-D504-6C3F770555DA}" created="2022-06-20T14:27:50.793">
+    <ac:deMkLst xmlns:ac="http://schemas.microsoft.com/office/drawing/2013/main/command">
+      <pc:docMk xmlns:pc="http://schemas.microsoft.com/office/powerpoint/2013/main/command"/>
+      <pc:sldMk xmlns:pc="http://schemas.microsoft.com/office/powerpoint/2013/main/command" cId="760455348" sldId="265"/>
+      <ac:spMk id="6" creationId="{B747C6D0-C57B-4065-9F3C-37FC815E7099}"/>
+    </ac:deMkLst>
+    <p188:txBody>
+      <a:bodyPr/>
+      <a:lstStyle/>
+      <a:p>
+        <a:r>
+          <a:rPr lang="ru-RU"/>
+          <a:t>Нужно указать почту</a:t>
+        </a:r>
+      </a:p>
+    </p188:txBody>
+  </p188:cm>
+</p188:cmLst>
 </file>
 
 <file path=ppt/diagrams/colors1.xml><?xml version="1.0" encoding="utf-8"?>
@@ -1696,18 +1724,18 @@
         <a:lstStyle/>
         <a:p>
           <a:r>
-            <a:rPr lang="ru-RU" sz="1600" b="1" i="0" u="none" dirty="0"/>
-            <a:t>    описывать и использовать базовые элементы </a:t>
+            <a:rPr lang="ru-RU" sz="1600" b="0" i="0" u="none" dirty="0"/>
+            <a:t>описывать и использовать базовые элементы </a:t>
           </a:r>
           <a:r>
-            <a:rPr lang="ro-RO" sz="1600" b="1" i="0" u="none" dirty="0"/>
+            <a:rPr lang="ro-RO" sz="1600" b="0" i="0" u="none" dirty="0"/>
             <a:t>ABAP-</a:t>
           </a:r>
           <a:r>
-            <a:rPr lang="ru-RU" sz="1600" b="1" i="0" u="none" dirty="0"/>
+            <a:rPr lang="ru-RU" sz="1600" b="0" i="0" u="none" dirty="0"/>
             <a:t>синтаксиса</a:t>
           </a:r>
-          <a:endParaRPr lang="ru-RU" sz="1600" b="1" dirty="0"/>
+          <a:endParaRPr lang="ru-RU" sz="1600" b="0" dirty="0"/>
         </a:p>
       </dgm:t>
     </dgm:pt>
@@ -1746,10 +1774,10 @@
         <a:p>
           <a:pPr algn="ctr" rtl="0"/>
           <a:r>
-            <a:rPr lang="ru-RU" b="1" i="0" u="none" dirty="0"/>
+            <a:rPr lang="ru-RU" b="0" i="0" u="none" dirty="0"/>
             <a:t>описывать организацию и перенос разработок</a:t>
           </a:r>
-          <a:endParaRPr lang="ru-RU" b="1" dirty="0"/>
+          <a:endParaRPr lang="ru-RU" b="0" dirty="0"/>
         </a:p>
       </dgm:t>
     </dgm:pt>
@@ -1789,17 +1817,21 @@
           <a:pPr algn="ctr"/>
           <a:r>
             <a:rPr lang="ru-RU" b="1" i="0" u="none" dirty="0"/>
-            <a:t>    пользоваться инструментами разработок, предоставляемыми в рамках </a:t>
+            <a:t>            </a:t>
           </a:r>
           <a:r>
-            <a:rPr lang="ro-RO" b="1" i="0" u="none" dirty="0"/>
+            <a:rPr lang="ru-RU" b="0" i="0" u="none" dirty="0"/>
+            <a:t>пользоваться инструментами разработок, предоставляемыми в рамках </a:t>
+          </a:r>
+          <a:r>
+            <a:rPr lang="ro-RO" b="0" i="0" u="none" dirty="0"/>
             <a:t>ABAP-</a:t>
           </a:r>
           <a:r>
-            <a:rPr lang="ru-RU" b="1" i="0" u="none" dirty="0"/>
+            <a:rPr lang="ru-RU" b="0" i="0" u="none" dirty="0"/>
             <a:t>инструментальных средств</a:t>
           </a:r>
-          <a:endParaRPr lang="ru-RU" b="1" dirty="0"/>
+          <a:endParaRPr lang="ru-RU" b="0" dirty="0"/>
         </a:p>
       </dgm:t>
     </dgm:pt>
@@ -1837,14 +1869,10 @@
         <a:lstStyle/>
         <a:p>
           <a:r>
-            <a:rPr lang="ru-RU" b="1" i="0" u="none" dirty="0"/>
-            <a:t>программировать доступ к базе </a:t>
+            <a:rPr lang="ru-RU" b="0" i="0" u="none" dirty="0"/>
+            <a:t>программировать доступ к базе данных</a:t>
           </a:r>
-          <a:r>
-            <a:rPr lang="ru-RU" b="1" i="0" u="none" dirty="0" smtClean="0"/>
-            <a:t>данных</a:t>
-          </a:r>
-          <a:endParaRPr lang="ru-RU" b="1" dirty="0"/>
+          <a:endParaRPr lang="ru-RU" b="0" dirty="0"/>
         </a:p>
       </dgm:t>
     </dgm:pt>
@@ -1882,10 +1910,10 @@
         <a:lstStyle/>
         <a:p>
           <a:r>
-            <a:rPr lang="ru-RU" b="1" i="0" u="none" dirty="0" smtClean="0"/>
+            <a:rPr lang="ru-RU" b="0" i="0" u="none" dirty="0"/>
             <a:t>создавать собственные программы с нуля</a:t>
           </a:r>
-          <a:endParaRPr lang="ru-RU" b="1" dirty="0"/>
+          <a:endParaRPr lang="ru-RU" b="0" dirty="0"/>
         </a:p>
       </dgm:t>
     </dgm:pt>
@@ -1919,20 +1947,13 @@
         </dgm:presLayoutVars>
       </dgm:prSet>
       <dgm:spPr/>
-      <dgm:t>
-        <a:bodyPr/>
-        <a:lstStyle/>
-        <a:p>
-          <a:endParaRPr lang="ru-RU"/>
-        </a:p>
-      </dgm:t>
     </dgm:pt>
     <dgm:pt modelId="{AA68C985-B8E9-45E8-B12B-AD94E7355951}" type="pres">
       <dgm:prSet presAssocID="{7EF8DD8D-2369-4771-8499-AD3C72BF2851}" presName="composite" presStyleCnt="0"/>
       <dgm:spPr/>
     </dgm:pt>
     <dgm:pt modelId="{2B9D1948-5DEA-482E-A78B-F4F82EC3DCE0}" type="pres">
-      <dgm:prSet presAssocID="{7EF8DD8D-2369-4771-8499-AD3C72BF2851}" presName="imgShp" presStyleLbl="fgImgPlace1" presStyleIdx="0" presStyleCnt="5" custLinFactX="-50561" custLinFactNeighborX="-100000" custLinFactNeighborY="-2105"/>
+      <dgm:prSet presAssocID="{7EF8DD8D-2369-4771-8499-AD3C72BF2851}" presName="imgShp" presStyleLbl="fgImgPlace1" presStyleIdx="0" presStyleCnt="5" custLinFactX="-42383" custLinFactNeighborX="-100000" custLinFactNeighborY="6"/>
       <dgm:spPr>
         <a:solidFill>
           <a:srgbClr val="FCBA14"/>
@@ -1943,22 +1964,14 @@
           </a:solidFill>
         </a:ln>
       </dgm:spPr>
-      <dgm:extLst/>
     </dgm:pt>
     <dgm:pt modelId="{420CE30B-2681-4DE1-B0DF-B4A615495AFA}" type="pres">
-      <dgm:prSet presAssocID="{7EF8DD8D-2369-4771-8499-AD3C72BF2851}" presName="txShp" presStyleLbl="node1" presStyleIdx="0" presStyleCnt="5" custScaleX="150376">
+      <dgm:prSet presAssocID="{7EF8DD8D-2369-4771-8499-AD3C72BF2851}" presName="txShp" presStyleLbl="node1" presStyleIdx="0" presStyleCnt="5" custScaleX="150376" custLinFactY="-100000" custLinFactNeighborX="2364" custLinFactNeighborY="-107122">
         <dgm:presLayoutVars>
           <dgm:bulletEnabled val="1"/>
         </dgm:presLayoutVars>
       </dgm:prSet>
       <dgm:spPr/>
-      <dgm:t>
-        <a:bodyPr/>
-        <a:lstStyle/>
-        <a:p>
-          <a:endParaRPr lang="ru-RU"/>
-        </a:p>
-      </dgm:t>
     </dgm:pt>
     <dgm:pt modelId="{385C8E2B-B71E-4AED-B4AB-17CC0C37016A}" type="pres">
       <dgm:prSet presAssocID="{504C342B-26BC-44D9-B3C5-835DB0A2AF18}" presName="spacing" presStyleCnt="0"/>
@@ -1969,7 +1982,7 @@
       <dgm:spPr/>
     </dgm:pt>
     <dgm:pt modelId="{5A1E566D-D349-468C-9404-78331DEFB089}" type="pres">
-      <dgm:prSet presAssocID="{B2487C38-F532-426A-BBC3-C0172F98EB6E}" presName="imgShp" presStyleLbl="fgImgPlace1" presStyleIdx="1" presStyleCnt="5" custLinFactX="-50561" custLinFactNeighborX="-100000" custLinFactNeighborY="-4544"/>
+      <dgm:prSet presAssocID="{B2487C38-F532-426A-BBC3-C0172F98EB6E}" presName="imgShp" presStyleLbl="fgImgPlace1" presStyleIdx="1" presStyleCnt="5" custLinFactX="-45677" custLinFactNeighborX="-100000" custLinFactNeighborY="-982"/>
       <dgm:spPr>
         <a:solidFill>
           <a:srgbClr val="FCBA14"/>
@@ -1982,19 +1995,12 @@
       </dgm:spPr>
     </dgm:pt>
     <dgm:pt modelId="{5E4C75CC-CEA4-44C9-85AD-B566F3A312A4}" type="pres">
-      <dgm:prSet presAssocID="{B2487C38-F532-426A-BBC3-C0172F98EB6E}" presName="txShp" presStyleLbl="node1" presStyleIdx="1" presStyleCnt="5" custScaleX="150376">
+      <dgm:prSet presAssocID="{B2487C38-F532-426A-BBC3-C0172F98EB6E}" presName="txShp" presStyleLbl="node1" presStyleIdx="1" presStyleCnt="5" custScaleX="150376" custLinFactNeighborX="21867" custLinFactNeighborY="-1147">
         <dgm:presLayoutVars>
           <dgm:bulletEnabled val="1"/>
         </dgm:presLayoutVars>
       </dgm:prSet>
       <dgm:spPr/>
-      <dgm:t>
-        <a:bodyPr/>
-        <a:lstStyle/>
-        <a:p>
-          <a:endParaRPr lang="ru-RU"/>
-        </a:p>
-      </dgm:t>
     </dgm:pt>
     <dgm:pt modelId="{3971285C-6E14-4591-B728-141A3E96A5C0}" type="pres">
       <dgm:prSet presAssocID="{551F6B1F-01A8-43A0-8EA5-0F1B3DBF47AF}" presName="spacing" presStyleCnt="0"/>
@@ -2005,7 +2011,7 @@
       <dgm:spPr/>
     </dgm:pt>
     <dgm:pt modelId="{1AD847BE-97D8-4122-A1C6-5DF228200BCF}" type="pres">
-      <dgm:prSet presAssocID="{41D598E2-66CC-4BFC-95D1-ABEEAD7BB68F}" presName="imgShp" presStyleLbl="fgImgPlace1" presStyleIdx="2" presStyleCnt="5" custLinFactX="-50561" custLinFactNeighborX="-100000"/>
+      <dgm:prSet presAssocID="{41D598E2-66CC-4BFC-95D1-ABEEAD7BB68F}" presName="imgShp" presStyleLbl="fgImgPlace1" presStyleIdx="2" presStyleCnt="5" custLinFactX="-45243" custLinFactNeighborX="-100000"/>
       <dgm:spPr>
         <a:solidFill>
           <a:srgbClr val="FCBA14"/>
@@ -2018,19 +2024,12 @@
       </dgm:spPr>
     </dgm:pt>
     <dgm:pt modelId="{D3AA3F82-E32E-4BC0-811E-7D02A91821F5}" type="pres">
-      <dgm:prSet presAssocID="{41D598E2-66CC-4BFC-95D1-ABEEAD7BB68F}" presName="txShp" presStyleLbl="node1" presStyleIdx="2" presStyleCnt="5" custScaleX="150376">
+      <dgm:prSet presAssocID="{41D598E2-66CC-4BFC-95D1-ABEEAD7BB68F}" presName="txShp" presStyleLbl="node1" presStyleIdx="2" presStyleCnt="5" custScaleX="150376" custLinFactNeighborX="-9493" custLinFactNeighborY="0">
         <dgm:presLayoutVars>
           <dgm:bulletEnabled val="1"/>
         </dgm:presLayoutVars>
       </dgm:prSet>
       <dgm:spPr/>
-      <dgm:t>
-        <a:bodyPr/>
-        <a:lstStyle/>
-        <a:p>
-          <a:endParaRPr lang="ru-RU"/>
-        </a:p>
-      </dgm:t>
     </dgm:pt>
     <dgm:pt modelId="{B53EEF20-2C23-47B0-BA17-D9E6619C024A}" type="pres">
       <dgm:prSet presAssocID="{382F189A-615F-448D-A9E1-A57CD400B115}" presName="spacing" presStyleCnt="0"/>
@@ -2041,7 +2040,7 @@
       <dgm:spPr/>
     </dgm:pt>
     <dgm:pt modelId="{6147006E-EB6A-4DF0-8E3A-6A03D3CEABAD}" type="pres">
-      <dgm:prSet presAssocID="{FB89EB3B-534B-4D4C-9487-8B93647718A7}" presName="imgShp" presStyleLbl="fgImgPlace1" presStyleIdx="3" presStyleCnt="5" custLinFactX="-68992" custLinFactNeighborX="-100000" custLinFactNeighborY="388"/>
+      <dgm:prSet presAssocID="{FB89EB3B-534B-4D4C-9487-8B93647718A7}" presName="imgShp" presStyleLbl="fgImgPlace1" presStyleIdx="3" presStyleCnt="5" custLinFactX="-42257" custLinFactNeighborX="-100000" custLinFactNeighborY="388"/>
       <dgm:spPr>
         <a:solidFill>
           <a:srgbClr val="FCBA14"/>
@@ -2060,13 +2059,6 @@
         </dgm:presLayoutVars>
       </dgm:prSet>
       <dgm:spPr/>
-      <dgm:t>
-        <a:bodyPr/>
-        <a:lstStyle/>
-        <a:p>
-          <a:endParaRPr lang="ru-RU"/>
-        </a:p>
-      </dgm:t>
     </dgm:pt>
     <dgm:pt modelId="{37FE0C99-1A90-9A4D-9418-EB2927FD0B4D}" type="pres">
       <dgm:prSet presAssocID="{4AA9AD44-4428-415F-858D-607B87838F9A}" presName="spacing" presStyleCnt="0"/>
@@ -2077,7 +2069,7 @@
       <dgm:spPr/>
     </dgm:pt>
     <dgm:pt modelId="{662A0190-C14E-B14B-96BD-90D8149C293A}" type="pres">
-      <dgm:prSet presAssocID="{7EDC0F86-C04D-564A-8921-394C237CBC7B}" presName="imgShp" presStyleLbl="fgImgPlace1" presStyleIdx="4" presStyleCnt="5" custLinFactX="-50561" custLinFactNeighborX="-100000" custLinFactNeighborY="-5058"/>
+      <dgm:prSet presAssocID="{7EDC0F86-C04D-564A-8921-394C237CBC7B}" presName="imgShp" presStyleLbl="fgImgPlace1" presStyleIdx="4" presStyleCnt="5" custLinFactX="-38864" custLinFactNeighborX="-100000" custLinFactNeighborY="-3387"/>
       <dgm:spPr>
         <a:solidFill>
           <a:srgbClr val="FCBA14"/>
@@ -2090,33 +2082,26 @@
       </dgm:spPr>
     </dgm:pt>
     <dgm:pt modelId="{859CA104-354E-7545-ACE3-68EFD368DB10}" type="pres">
-      <dgm:prSet presAssocID="{7EDC0F86-C04D-564A-8921-394C237CBC7B}" presName="txShp" presStyleLbl="node1" presStyleIdx="4" presStyleCnt="5" custScaleX="150376">
+      <dgm:prSet presAssocID="{7EDC0F86-C04D-564A-8921-394C237CBC7B}" presName="txShp" presStyleLbl="node1" presStyleIdx="4" presStyleCnt="5" custScaleX="150376" custLinFactNeighborX="0" custLinFactNeighborY="989">
         <dgm:presLayoutVars>
           <dgm:bulletEnabled val="1"/>
         </dgm:presLayoutVars>
       </dgm:prSet>
       <dgm:spPr/>
-      <dgm:t>
-        <a:bodyPr/>
-        <a:lstStyle/>
-        <a:p>
-          <a:endParaRPr lang="ru-RU"/>
-        </a:p>
-      </dgm:t>
     </dgm:pt>
   </dgm:ptLst>
   <dgm:cxnLst>
+    <dgm:cxn modelId="{4DB9B435-B426-4E1C-BEE8-5599902FCC9B}" srcId="{773DAEDB-2F7C-487A-A468-6142732551B2}" destId="{41D598E2-66CC-4BFC-95D1-ABEEAD7BB68F}" srcOrd="2" destOrd="0" parTransId="{B0C105DB-4031-4099-AA4B-B6BBF43CC2CA}" sibTransId="{382F189A-615F-448D-A9E1-A57CD400B115}"/>
+    <dgm:cxn modelId="{BA470F5C-3CD6-42AF-B9AB-2EC5519955DB}" type="presOf" srcId="{B2487C38-F532-426A-BBC3-C0172F98EB6E}" destId="{5E4C75CC-CEA4-44C9-85AD-B566F3A312A4}" srcOrd="0" destOrd="0" presId="urn:microsoft.com/office/officeart/2005/8/layout/vList3"/>
     <dgm:cxn modelId="{CF8A7C70-0D17-414D-8AF9-C166805EFA87}" srcId="{773DAEDB-2F7C-487A-A468-6142732551B2}" destId="{B2487C38-F532-426A-BBC3-C0172F98EB6E}" srcOrd="1" destOrd="0" parTransId="{D051D156-217F-4366-AAF8-0D899E513722}" sibTransId="{551F6B1F-01A8-43A0-8EA5-0F1B3DBF47AF}"/>
-    <dgm:cxn modelId="{32B9DFF5-4611-4C47-97B6-FD85BD0D2910}" type="presOf" srcId="{FB89EB3B-534B-4D4C-9487-8B93647718A7}" destId="{D21E20C7-B74E-431C-90B3-BBBB5E5D869A}" srcOrd="0" destOrd="0" presId="urn:microsoft.com/office/officeart/2005/8/layout/vList3"/>
+    <dgm:cxn modelId="{0BFA0951-EC23-4806-BE09-0AD9B8522336}" type="presOf" srcId="{7EF8DD8D-2369-4771-8499-AD3C72BF2851}" destId="{420CE30B-2681-4DE1-B0DF-B4A615495AFA}" srcOrd="0" destOrd="0" presId="urn:microsoft.com/office/officeart/2005/8/layout/vList3"/>
+    <dgm:cxn modelId="{A7A3637B-AD4F-4CF7-98A1-740FF736D92B}" type="presOf" srcId="{773DAEDB-2F7C-487A-A468-6142732551B2}" destId="{B88C19BD-CECC-4798-8C05-6A5A1E3F9C4E}" srcOrd="0" destOrd="0" presId="urn:microsoft.com/office/officeart/2005/8/layout/vList3"/>
+    <dgm:cxn modelId="{1D19608A-2C36-4830-A508-42F1A6D92F6F}" type="presOf" srcId="{41D598E2-66CC-4BFC-95D1-ABEEAD7BB68F}" destId="{D3AA3F82-E32E-4BC0-811E-7D02A91821F5}" srcOrd="0" destOrd="0" presId="urn:microsoft.com/office/officeart/2005/8/layout/vList3"/>
+    <dgm:cxn modelId="{11EAA6A3-3CAF-48DC-B0F8-D59403D4CD24}" srcId="{773DAEDB-2F7C-487A-A468-6142732551B2}" destId="{FB89EB3B-534B-4D4C-9487-8B93647718A7}" srcOrd="3" destOrd="0" parTransId="{094FE3F0-8A1A-47E6-BF87-E7F9B44810D2}" sibTransId="{4AA9AD44-4428-415F-858D-607B87838F9A}"/>
     <dgm:cxn modelId="{9352E9A4-1840-A242-A7D6-A6BB4FB57851}" srcId="{773DAEDB-2F7C-487A-A468-6142732551B2}" destId="{7EDC0F86-C04D-564A-8921-394C237CBC7B}" srcOrd="4" destOrd="0" parTransId="{F6E7075F-0C12-574A-A467-E6A8E2040889}" sibTransId="{5517362E-FEF5-FB46-95BA-4EAF9A3EE717}"/>
     <dgm:cxn modelId="{2D3EF0D8-0AAF-8F4E-9108-BC380186D487}" type="presOf" srcId="{7EDC0F86-C04D-564A-8921-394C237CBC7B}" destId="{859CA104-354E-7545-ACE3-68EFD368DB10}" srcOrd="0" destOrd="0" presId="urn:microsoft.com/office/officeart/2005/8/layout/vList3"/>
-    <dgm:cxn modelId="{A7A3637B-AD4F-4CF7-98A1-740FF736D92B}" type="presOf" srcId="{773DAEDB-2F7C-487A-A468-6142732551B2}" destId="{B88C19BD-CECC-4798-8C05-6A5A1E3F9C4E}" srcOrd="0" destOrd="0" presId="urn:microsoft.com/office/officeart/2005/8/layout/vList3"/>
-    <dgm:cxn modelId="{BA470F5C-3CD6-42AF-B9AB-2EC5519955DB}" type="presOf" srcId="{B2487C38-F532-426A-BBC3-C0172F98EB6E}" destId="{5E4C75CC-CEA4-44C9-85AD-B566F3A312A4}" srcOrd="0" destOrd="0" presId="urn:microsoft.com/office/officeart/2005/8/layout/vList3"/>
     <dgm:cxn modelId="{0DB5F5EC-56EA-4CF4-BCD3-72E8446718AB}" srcId="{773DAEDB-2F7C-487A-A468-6142732551B2}" destId="{7EF8DD8D-2369-4771-8499-AD3C72BF2851}" srcOrd="0" destOrd="0" parTransId="{42E55D3A-28DD-49FF-AD98-892BE63BF7D2}" sibTransId="{504C342B-26BC-44D9-B3C5-835DB0A2AF18}"/>
-    <dgm:cxn modelId="{0BFA0951-EC23-4806-BE09-0AD9B8522336}" type="presOf" srcId="{7EF8DD8D-2369-4771-8499-AD3C72BF2851}" destId="{420CE30B-2681-4DE1-B0DF-B4A615495AFA}" srcOrd="0" destOrd="0" presId="urn:microsoft.com/office/officeart/2005/8/layout/vList3"/>
-    <dgm:cxn modelId="{1D19608A-2C36-4830-A508-42F1A6D92F6F}" type="presOf" srcId="{41D598E2-66CC-4BFC-95D1-ABEEAD7BB68F}" destId="{D3AA3F82-E32E-4BC0-811E-7D02A91821F5}" srcOrd="0" destOrd="0" presId="urn:microsoft.com/office/officeart/2005/8/layout/vList3"/>
-    <dgm:cxn modelId="{11EAA6A3-3CAF-48DC-B0F8-D59403D4CD24}" srcId="{773DAEDB-2F7C-487A-A468-6142732551B2}" destId="{FB89EB3B-534B-4D4C-9487-8B93647718A7}" srcOrd="3" destOrd="0" parTransId="{094FE3F0-8A1A-47E6-BF87-E7F9B44810D2}" sibTransId="{4AA9AD44-4428-415F-858D-607B87838F9A}"/>
-    <dgm:cxn modelId="{4DB9B435-B426-4E1C-BEE8-5599902FCC9B}" srcId="{773DAEDB-2F7C-487A-A468-6142732551B2}" destId="{41D598E2-66CC-4BFC-95D1-ABEEAD7BB68F}" srcOrd="2" destOrd="0" parTransId="{B0C105DB-4031-4099-AA4B-B6BBF43CC2CA}" sibTransId="{382F189A-615F-448D-A9E1-A57CD400B115}"/>
+    <dgm:cxn modelId="{32B9DFF5-4611-4C47-97B6-FD85BD0D2910}" type="presOf" srcId="{FB89EB3B-534B-4D4C-9487-8B93647718A7}" destId="{D21E20C7-B74E-431C-90B3-BBBB5E5D869A}" srcOrd="0" destOrd="0" presId="urn:microsoft.com/office/officeart/2005/8/layout/vList3"/>
     <dgm:cxn modelId="{0CD1D731-C994-4CED-B633-95D8F2D8DF06}" type="presParOf" srcId="{B88C19BD-CECC-4798-8C05-6A5A1E3F9C4E}" destId="{AA68C985-B8E9-45E8-B12B-AD94E7355951}" srcOrd="0" destOrd="0" presId="urn:microsoft.com/office/officeart/2005/8/layout/vList3"/>
     <dgm:cxn modelId="{6A00EBCF-E131-4760-928F-E847CE8604AC}" type="presParOf" srcId="{AA68C985-B8E9-45E8-B12B-AD94E7355951}" destId="{2B9D1948-5DEA-482E-A78B-F4F82EC3DCE0}" srcOrd="0" destOrd="0" presId="urn:microsoft.com/office/officeart/2005/8/layout/vList3"/>
     <dgm:cxn modelId="{AC6743E7-9277-4D69-AE2E-33FE643AF956}" type="presParOf" srcId="{AA68C985-B8E9-45E8-B12B-AD94E7355951}" destId="{420CE30B-2681-4DE1-B0DF-B4A615495AFA}" srcOrd="1" destOrd="0" presId="urn:microsoft.com/office/officeart/2005/8/layout/vList3"/>
@@ -2176,7 +2161,7 @@
         <a:p>
           <a:pPr algn="l"/>
           <a:r>
-            <a:rPr lang="ru-RU" sz="2000" b="1" i="0" u="none" dirty="0">
+            <a:rPr lang="ru-RU" sz="2000" b="0" i="0" u="none" dirty="0">
               <a:solidFill>
                 <a:schemeClr val="bg2">
                   <a:lumMod val="50000"/>
@@ -2187,7 +2172,7 @@
             <a:t>создавать </a:t>
           </a:r>
           <a:r>
-            <a:rPr lang="ro-RO" sz="2000" b="1" i="0" u="none" dirty="0">
+            <a:rPr lang="ro-RO" sz="2000" b="0" i="0" u="none" dirty="0">
               <a:solidFill>
                 <a:schemeClr val="bg2">
                   <a:lumMod val="50000"/>
@@ -2198,7 +2183,7 @@
             <a:t>ABAP-</a:t>
           </a:r>
           <a:r>
-            <a:rPr lang="ru-RU" sz="2000" b="1" i="0" u="none" dirty="0">
+            <a:rPr lang="ru-RU" sz="2000" b="0" i="0" u="none" dirty="0">
               <a:solidFill>
                 <a:schemeClr val="bg2">
                   <a:lumMod val="50000"/>
@@ -2208,7 +2193,7 @@
             </a:rPr>
             <a:t>программы с диалогами пользователя и обращением к базе данных</a:t>
           </a:r>
-          <a:endParaRPr lang="ru-RU" sz="2000" b="1" dirty="0">
+          <a:endParaRPr lang="ru-RU" sz="2000" b="0" dirty="0">
             <a:solidFill>
               <a:schemeClr val="bg2">
                 <a:lumMod val="50000"/>
@@ -2255,7 +2240,7 @@
         <a:lstStyle/>
         <a:p>
           <a:r>
-            <a:rPr lang="ru-RU" sz="2000" b="1" i="0" u="none" dirty="0">
+            <a:rPr lang="ru-RU" sz="2000" b="0" i="0" u="none" dirty="0">
               <a:solidFill>
                 <a:schemeClr val="bg2">
                   <a:lumMod val="50000"/>
@@ -2265,7 +2250,7 @@
             </a:rPr>
             <a:t>описывать различные типы объектов разработки и цели их использования</a:t>
           </a:r>
-          <a:endParaRPr lang="ru-RU" sz="2000" b="1" dirty="0">
+          <a:endParaRPr lang="ru-RU" sz="2000" b="0" dirty="0">
             <a:solidFill>
               <a:schemeClr val="bg2">
                 <a:lumMod val="50000"/>
@@ -2312,7 +2297,7 @@
         <a:lstStyle/>
         <a:p>
           <a:r>
-            <a:rPr lang="ru-RU" sz="2000" b="1" i="0" u="none" dirty="0">
+            <a:rPr lang="ru-RU" sz="2000" b="0" i="0" u="none" dirty="0">
               <a:solidFill>
                 <a:schemeClr val="bg2">
                   <a:lumMod val="50000"/>
@@ -2322,7 +2307,7 @@
             </a:rPr>
             <a:t>использовать соответствующие инструментальные средства для создания простых примеров объектов разработки </a:t>
           </a:r>
-          <a:endParaRPr lang="ru-RU" sz="2000" b="1" dirty="0">
+          <a:endParaRPr lang="ru-RU" sz="2000" b="0" dirty="0">
             <a:solidFill>
               <a:schemeClr val="bg2">
                 <a:lumMod val="50000"/>
@@ -2363,13 +2348,6 @@
         </dgm:presLayoutVars>
       </dgm:prSet>
       <dgm:spPr/>
-      <dgm:t>
-        <a:bodyPr/>
-        <a:lstStyle/>
-        <a:p>
-          <a:endParaRPr lang="ru-RU"/>
-        </a:p>
-      </dgm:t>
     </dgm:pt>
     <dgm:pt modelId="{DD005D0E-CD3E-3342-B003-904CAAFD1454}" type="pres">
       <dgm:prSet presAssocID="{8B3A1C26-8C01-A742-9B87-DB8A2D811931}" presName="composite" presStyleCnt="0"/>
@@ -2386,13 +2364,6 @@
           <a:avLst/>
         </a:prstGeom>
       </dgm:spPr>
-      <dgm:t>
-        <a:bodyPr/>
-        <a:lstStyle/>
-        <a:p>
-          <a:endParaRPr lang="ru-RU"/>
-        </a:p>
-      </dgm:t>
     </dgm:pt>
     <dgm:pt modelId="{4BC3BA17-5034-0C47-9BF9-6622C12CD3CB}" type="pres">
       <dgm:prSet presAssocID="{8B3A1C26-8C01-A742-9B87-DB8A2D811931}" presName="rect2" presStyleLbl="fgImgPlace1" presStyleIdx="0" presStyleCnt="3" custScaleX="45752" custScaleY="48642" custLinFactX="-61047" custLinFactNeighborX="-100000" custLinFactNeighborY="-27399"/>
@@ -2427,13 +2398,6 @@
           <a:avLst/>
         </a:prstGeom>
       </dgm:spPr>
-      <dgm:t>
-        <a:bodyPr/>
-        <a:lstStyle/>
-        <a:p>
-          <a:endParaRPr lang="ru-RU"/>
-        </a:p>
-      </dgm:t>
     </dgm:pt>
     <dgm:pt modelId="{F177339F-0C43-3A49-8F2C-AC20B8559896}" type="pres">
       <dgm:prSet presAssocID="{EF10FBDF-2EA1-AF40-AD87-66C6278E01C8}" presName="rect2" presStyleLbl="fgImgPlace1" presStyleIdx="1" presStyleCnt="3" custScaleX="45724" custScaleY="48430" custLinFactX="-61061" custLinFactNeighborX="-100000" custLinFactNeighborY="-19049"/>
@@ -2468,13 +2432,6 @@
           <a:avLst/>
         </a:prstGeom>
       </dgm:spPr>
-      <dgm:t>
-        <a:bodyPr/>
-        <a:lstStyle/>
-        <a:p>
-          <a:endParaRPr lang="ru-RU"/>
-        </a:p>
-      </dgm:t>
     </dgm:pt>
     <dgm:pt modelId="{E6B95246-10AE-6842-BA2B-E11D12340AF4}" type="pres">
       <dgm:prSet presAssocID="{A5AF69D2-2911-C948-8C54-B6C1A94E0615}" presName="rect2" presStyleLbl="fgImgPlace1" presStyleIdx="2" presStyleCnt="3" custScaleX="45724" custScaleY="48430" custLinFactX="-61061" custLinFactNeighborX="-100000" custLinFactNeighborY="-18404"/>
@@ -2493,11 +2450,11 @@
   </dgm:ptLst>
   <dgm:cxnLst>
     <dgm:cxn modelId="{D02FC109-1E5A-2A4C-BAF9-628831DAEFB2}" type="presOf" srcId="{A5AF69D2-2911-C948-8C54-B6C1A94E0615}" destId="{E1B85FBC-364D-4F4E-ACA4-010D08CF92F9}" srcOrd="0" destOrd="0" presId="urn:microsoft.com/office/officeart/2008/layout/PictureStrips"/>
+    <dgm:cxn modelId="{6B48AF1E-319A-6D4A-B589-A1CB8803EC2F}" srcId="{0E9DF84B-EFAF-5348-B8EA-384CC331FE11}" destId="{A5AF69D2-2911-C948-8C54-B6C1A94E0615}" srcOrd="2" destOrd="0" parTransId="{302A6247-0147-9B4F-A573-9E2D0AE34766}" sibTransId="{60D6CEFA-ED5A-1240-A5EA-EA67316261E0}"/>
+    <dgm:cxn modelId="{BAAC1B26-02D7-2E43-9E7F-D17C170A0538}" type="presOf" srcId="{EF10FBDF-2EA1-AF40-AD87-66C6278E01C8}" destId="{CBEE6083-99B4-334A-9D7B-718C450BF1EB}" srcOrd="0" destOrd="0" presId="urn:microsoft.com/office/officeart/2008/layout/PictureStrips"/>
     <dgm:cxn modelId="{C63E6858-9400-1A49-8338-C19134F0FC11}" srcId="{0E9DF84B-EFAF-5348-B8EA-384CC331FE11}" destId="{EF10FBDF-2EA1-AF40-AD87-66C6278E01C8}" srcOrd="1" destOrd="0" parTransId="{487494E0-8053-3342-B460-0D7FD7BB636D}" sibTransId="{E51096B9-7B80-2E4E-9F8B-F15DCBE62473}"/>
-    <dgm:cxn modelId="{BAAC1B26-02D7-2E43-9E7F-D17C170A0538}" type="presOf" srcId="{EF10FBDF-2EA1-AF40-AD87-66C6278E01C8}" destId="{CBEE6083-99B4-334A-9D7B-718C450BF1EB}" srcOrd="0" destOrd="0" presId="urn:microsoft.com/office/officeart/2008/layout/PictureStrips"/>
+    <dgm:cxn modelId="{CAEEEE7B-9B2A-754F-A218-F45E0313D57B}" srcId="{0E9DF84B-EFAF-5348-B8EA-384CC331FE11}" destId="{8B3A1C26-8C01-A742-9B87-DB8A2D811931}" srcOrd="0" destOrd="0" parTransId="{7F8E3660-2AA6-5349-9E06-112B23D2ADC2}" sibTransId="{DC27B0EB-11A7-5644-B8C0-D10FD846DEC9}"/>
     <dgm:cxn modelId="{03D8108F-FBDF-B84F-A8BC-DE223D55E631}" type="presOf" srcId="{0E9DF84B-EFAF-5348-B8EA-384CC331FE11}" destId="{9F08813D-1D09-4143-BCB3-811A9D79E65A}" srcOrd="0" destOrd="0" presId="urn:microsoft.com/office/officeart/2008/layout/PictureStrips"/>
-    <dgm:cxn modelId="{CAEEEE7B-9B2A-754F-A218-F45E0313D57B}" srcId="{0E9DF84B-EFAF-5348-B8EA-384CC331FE11}" destId="{8B3A1C26-8C01-A742-9B87-DB8A2D811931}" srcOrd="0" destOrd="0" parTransId="{7F8E3660-2AA6-5349-9E06-112B23D2ADC2}" sibTransId="{DC27B0EB-11A7-5644-B8C0-D10FD846DEC9}"/>
-    <dgm:cxn modelId="{6B48AF1E-319A-6D4A-B589-A1CB8803EC2F}" srcId="{0E9DF84B-EFAF-5348-B8EA-384CC331FE11}" destId="{A5AF69D2-2911-C948-8C54-B6C1A94E0615}" srcOrd="2" destOrd="0" parTransId="{302A6247-0147-9B4F-A573-9E2D0AE34766}" sibTransId="{60D6CEFA-ED5A-1240-A5EA-EA67316261E0}"/>
     <dgm:cxn modelId="{C74BC5E2-2509-AB4C-96EA-A62091070F0F}" type="presOf" srcId="{8B3A1C26-8C01-A742-9B87-DB8A2D811931}" destId="{505026BB-C0BC-4C4C-B529-3D07E1FEED95}" srcOrd="0" destOrd="0" presId="urn:microsoft.com/office/officeart/2008/layout/PictureStrips"/>
     <dgm:cxn modelId="{D06DC73B-30A8-304C-8F9B-53B0FDE06AC2}" type="presParOf" srcId="{9F08813D-1D09-4143-BCB3-811A9D79E65A}" destId="{DD005D0E-CD3E-3342-B003-904CAAFD1454}" srcOrd="0" destOrd="0" presId="urn:microsoft.com/office/officeart/2008/layout/PictureStrips"/>
     <dgm:cxn modelId="{6085D4F3-189E-D94B-85C6-6AB61A4A6DD3}" type="presParOf" srcId="{DD005D0E-CD3E-3342-B003-904CAAFD1454}" destId="{505026BB-C0BC-4C4C-B529-3D07E1FEED95}" srcOrd="0" destOrd="0" presId="urn:microsoft.com/office/officeart/2008/layout/PictureStrips"/>
@@ -2536,8 +2493,8 @@
       </dsp:nvSpPr>
       <dsp:spPr>
         <a:xfrm rot="10800000">
-          <a:off x="-1" y="689"/>
-          <a:ext cx="8027279" cy="659810"/>
+          <a:off x="-1" y="0"/>
+          <a:ext cx="9773284" cy="659445"/>
         </a:xfrm>
         <a:prstGeom prst="homePlate">
           <a:avLst/>
@@ -2574,12 +2531,12 @@
         </a:fontRef>
       </dsp:style>
       <dsp:txBody>
-        <a:bodyPr spcFirstLastPara="0" vert="horz" wrap="square" lIns="290958" tIns="60960" rIns="113792" bIns="60960" numCol="1" spcCol="1270" anchor="ctr" anchorCtr="0">
+        <a:bodyPr spcFirstLastPara="0" vert="horz" wrap="square" lIns="290797" tIns="60960" rIns="113792" bIns="60960" numCol="1" spcCol="1270" anchor="ctr" anchorCtr="0">
           <a:noAutofit/>
         </a:bodyPr>
         <a:lstStyle/>
         <a:p>
-          <a:pPr lvl="0" algn="ctr" defTabSz="711200">
+          <a:pPr marL="0" lvl="0" indent="0" algn="ctr" defTabSz="711200">
             <a:lnSpc>
               <a:spcPct val="90000"/>
             </a:lnSpc>
@@ -2589,25 +2546,26 @@
             <a:spcAft>
               <a:spcPct val="35000"/>
             </a:spcAft>
+            <a:buNone/>
           </a:pPr>
           <a:r>
-            <a:rPr lang="ru-RU" sz="1600" b="1" i="0" u="none" kern="1200" dirty="0"/>
-            <a:t>    описывать и использовать базовые элементы </a:t>
+            <a:rPr lang="ru-RU" sz="1600" b="0" i="0" u="none" kern="1200" dirty="0"/>
+            <a:t>описывать и использовать базовые элементы </a:t>
           </a:r>
           <a:r>
-            <a:rPr lang="ro-RO" sz="1600" b="1" i="0" u="none" kern="1200" dirty="0"/>
+            <a:rPr lang="ro-RO" sz="1600" b="0" i="0" u="none" kern="1200" dirty="0"/>
             <a:t>ABAP-</a:t>
           </a:r>
           <a:r>
-            <a:rPr lang="ru-RU" sz="1600" b="1" i="0" u="none" kern="1200" dirty="0"/>
+            <a:rPr lang="ru-RU" sz="1600" b="0" i="0" u="none" kern="1200" dirty="0"/>
             <a:t>синтаксиса</a:t>
           </a:r>
-          <a:endParaRPr lang="ru-RU" sz="1600" b="1" kern="1200" dirty="0"/>
+          <a:endParaRPr lang="ru-RU" sz="1600" b="0" kern="1200" dirty="0"/>
         </a:p>
       </dsp:txBody>
       <dsp:txXfrm rot="10800000">
-        <a:off x="164951" y="689"/>
-        <a:ext cx="7862327" cy="659810"/>
+        <a:off x="164860" y="0"/>
+        <a:ext cx="9608423" cy="659445"/>
       </dsp:txXfrm>
     </dsp:sp>
     <dsp:sp modelId="{2B9D1948-5DEA-482E-A78B-F4F82EC3DCE0}">
@@ -2617,8 +2575,8 @@
       </dsp:nvSpPr>
       <dsp:spPr>
         <a:xfrm>
-          <a:off x="21246" y="0"/>
-          <a:ext cx="659810" cy="659810"/>
+          <a:off x="368362" y="1857"/>
+          <a:ext cx="659445" cy="659445"/>
         </a:xfrm>
         <a:prstGeom prst="ellipse">
           <a:avLst/>
@@ -2655,8 +2613,8 @@
       </dsp:nvSpPr>
       <dsp:spPr>
         <a:xfrm rot="10800000">
-          <a:off x="-1" y="857457"/>
-          <a:ext cx="8027279" cy="659810"/>
+          <a:off x="-1" y="850549"/>
+          <a:ext cx="9773284" cy="659445"/>
         </a:xfrm>
         <a:prstGeom prst="homePlate">
           <a:avLst/>
@@ -2693,12 +2651,12 @@
         </a:fontRef>
       </dsp:style>
       <dsp:txBody>
-        <a:bodyPr spcFirstLastPara="0" vert="horz" wrap="square" lIns="290958" tIns="64770" rIns="120904" bIns="64770" numCol="1" spcCol="1270" anchor="ctr" anchorCtr="0">
+        <a:bodyPr spcFirstLastPara="0" vert="horz" wrap="square" lIns="290797" tIns="64770" rIns="120904" bIns="64770" numCol="1" spcCol="1270" anchor="ctr" anchorCtr="0">
           <a:noAutofit/>
         </a:bodyPr>
         <a:lstStyle/>
         <a:p>
-          <a:pPr lvl="0" algn="ctr" defTabSz="755650">
+          <a:pPr marL="0" lvl="0" indent="0" algn="ctr" defTabSz="755650">
             <a:lnSpc>
               <a:spcPct val="90000"/>
             </a:lnSpc>
@@ -2708,17 +2666,18 @@
             <a:spcAft>
               <a:spcPct val="35000"/>
             </a:spcAft>
+            <a:buNone/>
           </a:pPr>
           <a:r>
-            <a:rPr lang="ru-RU" sz="1700" b="1" i="0" u="none" kern="1200" dirty="0" smtClean="0"/>
+            <a:rPr lang="ru-RU" sz="1700" b="0" i="0" u="none" kern="1200" dirty="0"/>
             <a:t>создавать собственные программы с нуля</a:t>
           </a:r>
-          <a:endParaRPr lang="ru-RU" sz="1700" b="1" kern="1200" dirty="0"/>
+          <a:endParaRPr lang="ru-RU" sz="1700" b="0" kern="1200" dirty="0"/>
         </a:p>
       </dsp:txBody>
       <dsp:txXfrm rot="10800000">
-        <a:off x="164951" y="857457"/>
-        <a:ext cx="7862327" cy="659810"/>
+        <a:off x="164860" y="850549"/>
+        <a:ext cx="9608423" cy="659445"/>
       </dsp:txXfrm>
     </dsp:sp>
     <dsp:sp modelId="{5A1E566D-D349-468C-9404-78331DEFB089}">
@@ -2728,8 +2687,8 @@
       </dsp:nvSpPr>
       <dsp:spPr>
         <a:xfrm>
-          <a:off x="21246" y="827475"/>
-          <a:ext cx="659810" cy="659810"/>
+          <a:off x="346640" y="851637"/>
+          <a:ext cx="659445" cy="659445"/>
         </a:xfrm>
         <a:prstGeom prst="ellipse">
           <a:avLst/>
@@ -2766,8 +2725,8 @@
       </dsp:nvSpPr>
       <dsp:spPr>
         <a:xfrm rot="10800000">
-          <a:off x="-1" y="1714226"/>
-          <a:ext cx="8027279" cy="659810"/>
+          <a:off x="-1" y="1714408"/>
+          <a:ext cx="9773284" cy="659445"/>
         </a:xfrm>
         <a:prstGeom prst="homePlate">
           <a:avLst/>
@@ -2804,12 +2763,12 @@
         </a:fontRef>
       </dsp:style>
       <dsp:txBody>
-        <a:bodyPr spcFirstLastPara="0" vert="horz" wrap="square" lIns="290958" tIns="64770" rIns="120904" bIns="64770" numCol="1" spcCol="1270" anchor="ctr" anchorCtr="0">
+        <a:bodyPr spcFirstLastPara="0" vert="horz" wrap="square" lIns="290797" tIns="64770" rIns="120904" bIns="64770" numCol="1" spcCol="1270" anchor="ctr" anchorCtr="0">
           <a:noAutofit/>
         </a:bodyPr>
         <a:lstStyle/>
         <a:p>
-          <a:pPr lvl="0" algn="ctr" defTabSz="755650">
+          <a:pPr marL="0" lvl="0" indent="0" algn="ctr" defTabSz="755650">
             <a:lnSpc>
               <a:spcPct val="90000"/>
             </a:lnSpc>
@@ -2819,21 +2778,18 @@
             <a:spcAft>
               <a:spcPct val="35000"/>
             </a:spcAft>
+            <a:buNone/>
           </a:pPr>
           <a:r>
-            <a:rPr lang="ru-RU" sz="1700" b="1" i="0" u="none" kern="1200" dirty="0"/>
-            <a:t>программировать доступ к базе </a:t>
+            <a:rPr lang="ru-RU" sz="1700" b="0" i="0" u="none" kern="1200" dirty="0"/>
+            <a:t>программировать доступ к базе данных</a:t>
           </a:r>
-          <a:r>
-            <a:rPr lang="ru-RU" sz="1700" b="1" i="0" u="none" kern="1200" dirty="0" smtClean="0"/>
-            <a:t>данных</a:t>
-          </a:r>
-          <a:endParaRPr lang="ru-RU" sz="1700" b="1" kern="1200" dirty="0"/>
+          <a:endParaRPr lang="ru-RU" sz="1700" b="0" kern="1200" dirty="0"/>
         </a:p>
       </dsp:txBody>
       <dsp:txXfrm rot="10800000">
-        <a:off x="164951" y="1714226"/>
-        <a:ext cx="7862327" cy="659810"/>
+        <a:off x="164860" y="1714408"/>
+        <a:ext cx="9608423" cy="659445"/>
       </dsp:txXfrm>
     </dsp:sp>
     <dsp:sp modelId="{1AD847BE-97D8-4122-A1C6-5DF228200BCF}">
@@ -2843,8 +2799,8 @@
       </dsp:nvSpPr>
       <dsp:spPr>
         <a:xfrm>
-          <a:off x="21246" y="1714226"/>
-          <a:ext cx="659810" cy="659810"/>
+          <a:off x="349502" y="1714408"/>
+          <a:ext cx="659445" cy="659445"/>
         </a:xfrm>
         <a:prstGeom prst="ellipse">
           <a:avLst/>
@@ -2881,8 +2837,8 @@
       </dsp:nvSpPr>
       <dsp:spPr>
         <a:xfrm rot="10800000">
-          <a:off x="-1" y="2570994"/>
-          <a:ext cx="8027279" cy="659810"/>
+          <a:off x="-1" y="2570703"/>
+          <a:ext cx="9773284" cy="659445"/>
         </a:xfrm>
         <a:prstGeom prst="homePlate">
           <a:avLst/>
@@ -2919,12 +2875,12 @@
         </a:fontRef>
       </dsp:style>
       <dsp:txBody>
-        <a:bodyPr spcFirstLastPara="0" vert="horz" wrap="square" lIns="290958" tIns="64770" rIns="120904" bIns="64770" numCol="1" spcCol="1270" anchor="ctr" anchorCtr="0">
+        <a:bodyPr spcFirstLastPara="0" vert="horz" wrap="square" lIns="290797" tIns="64770" rIns="120904" bIns="64770" numCol="1" spcCol="1270" anchor="ctr" anchorCtr="0">
           <a:noAutofit/>
         </a:bodyPr>
         <a:lstStyle/>
         <a:p>
-          <a:pPr lvl="0" algn="ctr" defTabSz="755650">
+          <a:pPr marL="0" lvl="0" indent="0" algn="ctr" defTabSz="755650">
             <a:lnSpc>
               <a:spcPct val="90000"/>
             </a:lnSpc>
@@ -2934,25 +2890,30 @@
             <a:spcAft>
               <a:spcPct val="35000"/>
             </a:spcAft>
+            <a:buNone/>
           </a:pPr>
           <a:r>
             <a:rPr lang="ru-RU" sz="1700" b="1" i="0" u="none" kern="1200" dirty="0"/>
-            <a:t>    пользоваться инструментами разработок, предоставляемыми в рамках </a:t>
+            <a:t>            </a:t>
           </a:r>
           <a:r>
-            <a:rPr lang="ro-RO" sz="1700" b="1" i="0" u="none" kern="1200" dirty="0"/>
+            <a:rPr lang="ru-RU" sz="1700" b="0" i="0" u="none" kern="1200" dirty="0"/>
+            <a:t>пользоваться инструментами разработок, предоставляемыми в рамках </a:t>
+          </a:r>
+          <a:r>
+            <a:rPr lang="ro-RO" sz="1700" b="0" i="0" u="none" kern="1200" dirty="0"/>
             <a:t>ABAP-</a:t>
           </a:r>
           <a:r>
-            <a:rPr lang="ru-RU" sz="1700" b="1" i="0" u="none" kern="1200" dirty="0"/>
+            <a:rPr lang="ru-RU" sz="1700" b="0" i="0" u="none" kern="1200" dirty="0"/>
             <a:t>инструментальных средств</a:t>
           </a:r>
-          <a:endParaRPr lang="ru-RU" sz="1700" b="1" kern="1200" dirty="0"/>
+          <a:endParaRPr lang="ru-RU" sz="1700" b="0" kern="1200" dirty="0"/>
         </a:p>
       </dsp:txBody>
       <dsp:txXfrm rot="10800000">
-        <a:off x="164951" y="2570994"/>
-        <a:ext cx="7862327" cy="659810"/>
+        <a:off x="164860" y="2570703"/>
+        <a:ext cx="9608423" cy="659445"/>
       </dsp:txXfrm>
     </dsp:sp>
     <dsp:sp modelId="{6147006E-EB6A-4DF0-8E3A-6A03D3CEABAD}">
@@ -2962,8 +2923,8 @@
       </dsp:nvSpPr>
       <dsp:spPr>
         <a:xfrm>
-          <a:off x="0" y="2573555"/>
-          <a:ext cx="659810" cy="659810"/>
+          <a:off x="369193" y="2573262"/>
+          <a:ext cx="659445" cy="659445"/>
         </a:xfrm>
         <a:prstGeom prst="ellipse">
           <a:avLst/>
@@ -3000,8 +2961,8 @@
       </dsp:nvSpPr>
       <dsp:spPr>
         <a:xfrm rot="10800000">
-          <a:off x="-1" y="3427763"/>
-          <a:ext cx="8027279" cy="659810"/>
+          <a:off x="-1" y="3428817"/>
+          <a:ext cx="9773284" cy="659445"/>
         </a:xfrm>
         <a:prstGeom prst="homePlate">
           <a:avLst/>
@@ -3038,12 +2999,12 @@
         </a:fontRef>
       </dsp:style>
       <dsp:txBody>
-        <a:bodyPr spcFirstLastPara="0" vert="horz" wrap="square" lIns="290958" tIns="64770" rIns="120904" bIns="64770" numCol="1" spcCol="1270" anchor="ctr" anchorCtr="0">
+        <a:bodyPr spcFirstLastPara="0" vert="horz" wrap="square" lIns="290797" tIns="64770" rIns="120904" bIns="64770" numCol="1" spcCol="1270" anchor="ctr" anchorCtr="0">
           <a:noAutofit/>
         </a:bodyPr>
         <a:lstStyle/>
         <a:p>
-          <a:pPr lvl="0" algn="ctr" defTabSz="755650" rtl="0">
+          <a:pPr marL="0" lvl="0" indent="0" algn="ctr" defTabSz="755650" rtl="0">
             <a:lnSpc>
               <a:spcPct val="90000"/>
             </a:lnSpc>
@@ -3053,17 +3014,18 @@
             <a:spcAft>
               <a:spcPct val="35000"/>
             </a:spcAft>
+            <a:buNone/>
           </a:pPr>
           <a:r>
-            <a:rPr lang="ru-RU" sz="1700" b="1" i="0" u="none" kern="1200" dirty="0"/>
+            <a:rPr lang="ru-RU" sz="1700" b="0" i="0" u="none" kern="1200" dirty="0"/>
             <a:t>описывать организацию и перенос разработок</a:t>
           </a:r>
-          <a:endParaRPr lang="ru-RU" sz="1700" b="1" kern="1200" dirty="0"/>
+          <a:endParaRPr lang="ru-RU" sz="1700" b="0" kern="1200" dirty="0"/>
         </a:p>
       </dsp:txBody>
       <dsp:txXfrm rot="10800000">
-        <a:off x="164951" y="3427763"/>
-        <a:ext cx="7862327" cy="659810"/>
+        <a:off x="164860" y="3428817"/>
+        <a:ext cx="9608423" cy="659445"/>
       </dsp:txXfrm>
     </dsp:sp>
     <dsp:sp modelId="{662A0190-C14E-B14B-96BD-90D8149C293A}">
@@ -3073,8 +3035,8 @@
       </dsp:nvSpPr>
       <dsp:spPr>
         <a:xfrm>
-          <a:off x="21246" y="3394390"/>
-          <a:ext cx="659810" cy="659810"/>
+          <a:off x="391568" y="3404664"/>
+          <a:ext cx="659445" cy="659445"/>
         </a:xfrm>
         <a:prstGeom prst="ellipse">
           <a:avLst/>
@@ -3123,8 +3085,8 @@
       </dsp:nvSpPr>
       <dsp:spPr>
         <a:xfrm>
-          <a:off x="676929" y="49780"/>
-          <a:ext cx="6670317" cy="1234000"/>
+          <a:off x="1900799" y="0"/>
+          <a:ext cx="6863311" cy="1269704"/>
         </a:xfrm>
         <a:prstGeom prst="roundRect">
           <a:avLst/>
@@ -3160,12 +3122,12 @@
         <a:fontRef idx="minor"/>
       </dsp:style>
       <dsp:txBody>
-        <a:bodyPr spcFirstLastPara="0" vert="horz" wrap="square" lIns="835830" tIns="76200" rIns="76200" bIns="76200" numCol="1" spcCol="1270" anchor="ctr" anchorCtr="0">
+        <a:bodyPr spcFirstLastPara="0" vert="horz" wrap="square" lIns="860013" tIns="76200" rIns="76200" bIns="76200" numCol="1" spcCol="1270" anchor="ctr" anchorCtr="0">
           <a:noAutofit/>
         </a:bodyPr>
         <a:lstStyle/>
         <a:p>
-          <a:pPr lvl="0" algn="l" defTabSz="889000">
+          <a:pPr marL="0" lvl="0" indent="0" algn="l" defTabSz="889000">
             <a:lnSpc>
               <a:spcPct val="90000"/>
             </a:lnSpc>
@@ -3175,9 +3137,10 @@
             <a:spcAft>
               <a:spcPct val="35000"/>
             </a:spcAft>
+            <a:buNone/>
           </a:pPr>
           <a:r>
-            <a:rPr lang="ru-RU" sz="2000" b="1" i="0" u="none" kern="1200" dirty="0">
+            <a:rPr lang="ru-RU" sz="2000" b="0" i="0" u="none" kern="1200" dirty="0">
               <a:solidFill>
                 <a:schemeClr val="bg2">
                   <a:lumMod val="50000"/>
@@ -3188,7 +3151,7 @@
             <a:t>создавать </a:t>
           </a:r>
           <a:r>
-            <a:rPr lang="ro-RO" sz="2000" b="1" i="0" u="none" kern="1200" dirty="0">
+            <a:rPr lang="ro-RO" sz="2000" b="0" i="0" u="none" kern="1200" dirty="0">
               <a:solidFill>
                 <a:schemeClr val="bg2">
                   <a:lumMod val="50000"/>
@@ -3199,7 +3162,7 @@
             <a:t>ABAP-</a:t>
           </a:r>
           <a:r>
-            <a:rPr lang="ru-RU" sz="2000" b="1" i="0" u="none" kern="1200" dirty="0">
+            <a:rPr lang="ru-RU" sz="2000" b="0" i="0" u="none" kern="1200" dirty="0">
               <a:solidFill>
                 <a:schemeClr val="bg2">
                   <a:lumMod val="50000"/>
@@ -3209,7 +3172,7 @@
             </a:rPr>
             <a:t>программы с диалогами пользователя и обращением к базе данных</a:t>
           </a:r>
-          <a:endParaRPr lang="ru-RU" sz="2000" b="1" kern="1200" dirty="0">
+          <a:endParaRPr lang="ru-RU" sz="2000" b="0" kern="1200" dirty="0">
             <a:solidFill>
               <a:schemeClr val="bg2">
                 <a:lumMod val="50000"/>
@@ -3220,8 +3183,8 @@
         </a:p>
       </dsp:txBody>
       <dsp:txXfrm>
-        <a:off x="737168" y="110019"/>
-        <a:ext cx="6549839" cy="1113522"/>
+        <a:off x="1962781" y="61982"/>
+        <a:ext cx="6739347" cy="1145740"/>
       </dsp:txXfrm>
     </dsp:sp>
     <dsp:sp modelId="{4BC3BA17-5034-0C47-9BF9-6622C12CD3CB}">
@@ -3231,8 +3194,8 @@
       </dsp:nvSpPr>
       <dsp:spPr>
         <a:xfrm>
-          <a:off x="512606" y="0"/>
-          <a:ext cx="395206" cy="630254"/>
+          <a:off x="1731722" y="0"/>
+          <a:ext cx="406640" cy="648490"/>
         </a:xfrm>
         <a:prstGeom prst="roundRect">
           <a:avLst/>
@@ -3267,8 +3230,8 @@
       </dsp:nvSpPr>
       <dsp:spPr>
         <a:xfrm>
-          <a:off x="676909" y="1447933"/>
-          <a:ext cx="6667039" cy="1234000"/>
+          <a:off x="1900779" y="1429737"/>
+          <a:ext cx="6859939" cy="1269704"/>
         </a:xfrm>
         <a:prstGeom prst="roundRect">
           <a:avLst/>
@@ -3304,12 +3267,12 @@
         <a:fontRef idx="minor"/>
       </dsp:style>
       <dsp:txBody>
-        <a:bodyPr spcFirstLastPara="0" vert="horz" wrap="square" lIns="835830" tIns="76200" rIns="76200" bIns="76200" numCol="1" spcCol="1270" anchor="ctr" anchorCtr="0">
+        <a:bodyPr spcFirstLastPara="0" vert="horz" wrap="square" lIns="860013" tIns="76200" rIns="76200" bIns="76200" numCol="1" spcCol="1270" anchor="ctr" anchorCtr="0">
           <a:noAutofit/>
         </a:bodyPr>
         <a:lstStyle/>
         <a:p>
-          <a:pPr lvl="0" algn="l" defTabSz="889000">
+          <a:pPr marL="0" lvl="0" indent="0" algn="l" defTabSz="889000">
             <a:lnSpc>
               <a:spcPct val="90000"/>
             </a:lnSpc>
@@ -3319,9 +3282,10 @@
             <a:spcAft>
               <a:spcPct val="35000"/>
             </a:spcAft>
+            <a:buNone/>
           </a:pPr>
           <a:r>
-            <a:rPr lang="ru-RU" sz="2000" b="1" i="0" u="none" kern="1200" dirty="0">
+            <a:rPr lang="ru-RU" sz="2000" b="0" i="0" u="none" kern="1200" dirty="0">
               <a:solidFill>
                 <a:schemeClr val="bg2">
                   <a:lumMod val="50000"/>
@@ -3331,7 +3295,7 @@
             </a:rPr>
             <a:t>описывать различные типы объектов разработки и цели их использования</a:t>
           </a:r>
-          <a:endParaRPr lang="ru-RU" sz="2000" b="1" kern="1200" dirty="0">
+          <a:endParaRPr lang="ru-RU" sz="2000" b="0" kern="1200" dirty="0">
             <a:solidFill>
               <a:schemeClr val="bg2">
                 <a:lumMod val="50000"/>
@@ -3342,8 +3306,8 @@
         </a:p>
       </dsp:txBody>
       <dsp:txXfrm>
-        <a:off x="737148" y="1508172"/>
-        <a:ext cx="6546561" cy="1113522"/>
+        <a:off x="1962761" y="1491719"/>
+        <a:ext cx="6735975" cy="1145740"/>
       </dsp:txXfrm>
     </dsp:sp>
     <dsp:sp modelId="{F177339F-0C43-3A49-8F2C-AC20B8559896}">
@@ -3353,8 +3317,8 @@
       </dsp:nvSpPr>
       <dsp:spPr>
         <a:xfrm>
-          <a:off x="512606" y="1368863"/>
-          <a:ext cx="394964" cy="627507"/>
+          <a:off x="1731722" y="1348379"/>
+          <a:ext cx="406391" cy="645663"/>
         </a:xfrm>
         <a:prstGeom prst="roundRect">
           <a:avLst/>
@@ -3389,8 +3353,8 @@
       </dsp:nvSpPr>
       <dsp:spPr>
         <a:xfrm>
-          <a:off x="686307" y="2867583"/>
-          <a:ext cx="6678649" cy="1234000"/>
+          <a:off x="1910449" y="2883955"/>
+          <a:ext cx="6871884" cy="1269704"/>
         </a:xfrm>
         <a:prstGeom prst="roundRect">
           <a:avLst/>
@@ -3426,12 +3390,12 @@
         <a:fontRef idx="minor"/>
       </dsp:style>
       <dsp:txBody>
-        <a:bodyPr spcFirstLastPara="0" vert="horz" wrap="square" lIns="835830" tIns="76200" rIns="76200" bIns="76200" numCol="1" spcCol="1270" anchor="ctr" anchorCtr="0">
+        <a:bodyPr spcFirstLastPara="0" vert="horz" wrap="square" lIns="860013" tIns="76200" rIns="76200" bIns="76200" numCol="1" spcCol="1270" anchor="ctr" anchorCtr="0">
           <a:noAutofit/>
         </a:bodyPr>
         <a:lstStyle/>
         <a:p>
-          <a:pPr lvl="0" algn="l" defTabSz="889000">
+          <a:pPr marL="0" lvl="0" indent="0" algn="l" defTabSz="889000">
             <a:lnSpc>
               <a:spcPct val="90000"/>
             </a:lnSpc>
@@ -3441,9 +3405,10 @@
             <a:spcAft>
               <a:spcPct val="35000"/>
             </a:spcAft>
+            <a:buNone/>
           </a:pPr>
           <a:r>
-            <a:rPr lang="ru-RU" sz="2000" b="1" i="0" u="none" kern="1200" dirty="0">
+            <a:rPr lang="ru-RU" sz="2000" b="0" i="0" u="none" kern="1200" dirty="0">
               <a:solidFill>
                 <a:schemeClr val="bg2">
                   <a:lumMod val="50000"/>
@@ -3453,7 +3418,7 @@
             </a:rPr>
             <a:t>использовать соответствующие инструментальные средства для создания простых примеров объектов разработки </a:t>
           </a:r>
-          <a:endParaRPr lang="ru-RU" sz="2000" b="1" kern="1200" dirty="0">
+          <a:endParaRPr lang="ru-RU" sz="2000" b="0" kern="1200" dirty="0">
             <a:solidFill>
               <a:schemeClr val="bg2">
                 <a:lumMod val="50000"/>
@@ -3464,8 +3429,8 @@
         </a:p>
       </dsp:txBody>
       <dsp:txXfrm>
-        <a:off x="746546" y="2927822"/>
-        <a:ext cx="6558171" cy="1113522"/>
+        <a:off x="1972431" y="2945937"/>
+        <a:ext cx="6747920" cy="1145740"/>
       </dsp:txXfrm>
     </dsp:sp>
     <dsp:sp modelId="{E6B95246-10AE-6842-BA2B-E11D12340AF4}">
@@ -3475,8 +3440,8 @@
       </dsp:nvSpPr>
       <dsp:spPr>
         <a:xfrm>
-          <a:off x="512606" y="2752446"/>
-          <a:ext cx="394964" cy="627507"/>
+          <a:off x="1731722" y="2771993"/>
+          <a:ext cx="406391" cy="645663"/>
         </a:xfrm>
         <a:prstGeom prst="roundRect">
           <a:avLst/>
@@ -6016,7 +5981,7 @@
           <a:p>
             <a:fld id="{D67BA9A0-A646-4CCA-BE82-DFEEB105D01C}" type="datetimeFigureOut">
               <a:rPr lang="ru-RU" smtClean="0"/>
-              <a:t>01.06.2022</a:t>
+              <a:t>20.06.2022</a:t>
             </a:fld>
             <a:endParaRPr lang="ru-RU"/>
           </a:p>
@@ -6444,7 +6409,7 @@
             <a:fld id="{32B4128E-1E69-4610-B11E-AF36D8D9B333}" type="datetime4">
               <a:rPr lang="ru-RU" smtClean="0"/>
               <a:pPr/>
-              <a:t>1 июня 2022 г.</a:t>
+              <a:t>20 июня 2022 г.</a:t>
             </a:fld>
             <a:endParaRPr lang="ru-RU" dirty="0"/>
           </a:p>
@@ -6578,7 +6543,7 @@
           <p:cNvPr id="6" name="Рисунок 5">
             <a:extLst>
               <a:ext uri="{FF2B5EF4-FFF2-40B4-BE49-F238E27FC236}">
-                <a16:creationId xmlns:a16="http://schemas.microsoft.com/office/drawing/2014/main" xmlns="" id="{D1E42EA9-4582-4971-9005-82BE73A574A6}"/>
+                <a16:creationId xmlns:a16="http://schemas.microsoft.com/office/drawing/2014/main" id="{D1E42EA9-4582-4971-9005-82BE73A574A6}"/>
               </a:ext>
             </a:extLst>
           </p:cNvPr>
@@ -6591,7 +6556,7 @@
           <a:blip r:embed="rId2">
             <a:extLst>
               <a:ext uri="{96DAC541-7B7A-43D3-8B79-37D633B846F1}">
-                <asvg:svgBlip xmlns:asvg="http://schemas.microsoft.com/office/drawing/2016/SVG/main" xmlns="" r:embed="rId3"/>
+                <asvg:svgBlip xmlns:asvg="http://schemas.microsoft.com/office/drawing/2016/SVG/main" r:embed="rId3"/>
               </a:ext>
             </a:extLst>
           </a:blip>
@@ -6614,7 +6579,7 @@
           <p:cNvPr id="14" name="Рисунок 13">
             <a:extLst>
               <a:ext uri="{FF2B5EF4-FFF2-40B4-BE49-F238E27FC236}">
-                <a16:creationId xmlns:a16="http://schemas.microsoft.com/office/drawing/2014/main" xmlns="" id="{3EED6F31-8033-4BA9-8F43-A6400FDF3A9C}"/>
+                <a16:creationId xmlns:a16="http://schemas.microsoft.com/office/drawing/2014/main" id="{3EED6F31-8033-4BA9-8F43-A6400FDF3A9C}"/>
               </a:ext>
             </a:extLst>
           </p:cNvPr>
@@ -6650,7 +6615,7 @@
           <p:cNvPr id="19" name="Полилиния: фигура 18">
             <a:extLst>
               <a:ext uri="{FF2B5EF4-FFF2-40B4-BE49-F238E27FC236}">
-                <a16:creationId xmlns:a16="http://schemas.microsoft.com/office/drawing/2014/main" xmlns="" id="{8A647AD1-8D07-42B8-B4E3-429388C18FD9}"/>
+                <a16:creationId xmlns:a16="http://schemas.microsoft.com/office/drawing/2014/main" id="{8A647AD1-8D07-42B8-B4E3-429388C18FD9}"/>
               </a:ext>
             </a:extLst>
           </p:cNvPr>
@@ -6779,7 +6744,7 @@
   <p:hf sldNum="0" hdr="0"/>
   <p:extLst>
     <p:ext uri="{DCECCB84-F9BA-43D5-87BE-67443E8EF086}">
-      <p15:sldGuideLst xmlns:p15="http://schemas.microsoft.com/office/powerpoint/2012/main" xmlns="">
+      <p15:sldGuideLst xmlns:p15="http://schemas.microsoft.com/office/powerpoint/2012/main">
         <p15:guide id="1" orient="horz" pos="2160" userDrawn="1">
           <p15:clr>
             <a:srgbClr val="FBAE40"/>
@@ -6985,7 +6950,7 @@
           <p:cNvPr id="14" name="Текст 5">
             <a:extLst>
               <a:ext uri="{FF2B5EF4-FFF2-40B4-BE49-F238E27FC236}">
-                <a16:creationId xmlns:a16="http://schemas.microsoft.com/office/drawing/2014/main" xmlns="" id="{D4B44EEA-B47C-4CD8-AE42-18E6E9103760}"/>
+                <a16:creationId xmlns:a16="http://schemas.microsoft.com/office/drawing/2014/main" id="{D4B44EEA-B47C-4CD8-AE42-18E6E9103760}"/>
               </a:ext>
             </a:extLst>
           </p:cNvPr>
@@ -7021,7 +6986,7 @@
                 <a:hlinkClick r:id="rId2">
                   <a:extLst>
                     <a:ext uri="{A12FA001-AC4F-418D-AE19-62706E023703}">
-                      <ahyp:hlinkClr xmlns:ahyp="http://schemas.microsoft.com/office/drawing/2018/hyperlinkcolor" xmlns="" val="tx"/>
+                      <ahyp:hlinkClr xmlns:ahyp="http://schemas.microsoft.com/office/drawing/2018/hyperlinkcolor" val="tx"/>
                     </a:ext>
                   </a:extLst>
                 </a:hlinkClick>
@@ -7044,7 +7009,7 @@
           <p:cNvPr id="16" name="Текст 5">
             <a:extLst>
               <a:ext uri="{FF2B5EF4-FFF2-40B4-BE49-F238E27FC236}">
-                <a16:creationId xmlns:a16="http://schemas.microsoft.com/office/drawing/2014/main" xmlns="" id="{D4B44EEA-B47C-4CD8-AE42-18E6E9103760}"/>
+                <a16:creationId xmlns:a16="http://schemas.microsoft.com/office/drawing/2014/main" id="{D4B44EEA-B47C-4CD8-AE42-18E6E9103760}"/>
               </a:ext>
             </a:extLst>
           </p:cNvPr>
@@ -7082,7 +7047,7 @@
                 <a:hlinkClick r:id="rId3">
                   <a:extLst>
                     <a:ext uri="{A12FA001-AC4F-418D-AE19-62706E023703}">
-                      <ahyp:hlinkClr xmlns:ahyp="http://schemas.microsoft.com/office/drawing/2018/hyperlinkcolor" xmlns="" val="tx"/>
+                      <ahyp:hlinkClr xmlns:ahyp="http://schemas.microsoft.com/office/drawing/2018/hyperlinkcolor" val="tx"/>
                     </a:ext>
                   </a:extLst>
                 </a:hlinkClick>
@@ -7105,7 +7070,7 @@
           <p:cNvPr id="10" name="Рисунок 9">
             <a:extLst>
               <a:ext uri="{FF2B5EF4-FFF2-40B4-BE49-F238E27FC236}">
-                <a16:creationId xmlns:a16="http://schemas.microsoft.com/office/drawing/2014/main" xmlns="" id="{375340DE-A6DD-4D9F-AFA7-B96870ED9955}"/>
+                <a16:creationId xmlns:a16="http://schemas.microsoft.com/office/drawing/2014/main" id="{375340DE-A6DD-4D9F-AFA7-B96870ED9955}"/>
               </a:ext>
             </a:extLst>
           </p:cNvPr>
@@ -7118,7 +7083,7 @@
           <a:blip r:embed="rId4">
             <a:extLst>
               <a:ext uri="{96DAC541-7B7A-43D3-8B79-37D633B846F1}">
-                <asvg:svgBlip xmlns:asvg="http://schemas.microsoft.com/office/drawing/2016/SVG/main" xmlns="" r:embed="rId5"/>
+                <asvg:svgBlip xmlns:asvg="http://schemas.microsoft.com/office/drawing/2016/SVG/main" r:embed="rId5"/>
               </a:ext>
             </a:extLst>
           </a:blip>
@@ -7141,7 +7106,7 @@
           <p:cNvPr id="13" name="Рисунок 12">
             <a:extLst>
               <a:ext uri="{FF2B5EF4-FFF2-40B4-BE49-F238E27FC236}">
-                <a16:creationId xmlns:a16="http://schemas.microsoft.com/office/drawing/2014/main" xmlns="" id="{FAA8F910-898F-4BFE-9973-77E6E0E163FC}"/>
+                <a16:creationId xmlns:a16="http://schemas.microsoft.com/office/drawing/2014/main" id="{FAA8F910-898F-4BFE-9973-77E6E0E163FC}"/>
               </a:ext>
             </a:extLst>
           </p:cNvPr>
@@ -7177,7 +7142,7 @@
           <p:cNvPr id="18" name="Текст 10">
             <a:extLst>
               <a:ext uri="{FF2B5EF4-FFF2-40B4-BE49-F238E27FC236}">
-                <a16:creationId xmlns:a16="http://schemas.microsoft.com/office/drawing/2014/main" xmlns="" id="{6C4BAF8E-6947-4F3B-9625-0EE7247BC643}"/>
+                <a16:creationId xmlns:a16="http://schemas.microsoft.com/office/drawing/2014/main" id="{6C4BAF8E-6947-4F3B-9625-0EE7247BC643}"/>
               </a:ext>
             </a:extLst>
           </p:cNvPr>
@@ -7436,7 +7401,7 @@
           <p:cNvPr id="6" name="Прямая соединительная линия 5">
             <a:extLst>
               <a:ext uri="{FF2B5EF4-FFF2-40B4-BE49-F238E27FC236}">
-                <a16:creationId xmlns:a16="http://schemas.microsoft.com/office/drawing/2014/main" xmlns="" id="{CEE24893-5300-4DEC-AEEF-6561CA6D6C6D}"/>
+                <a16:creationId xmlns:a16="http://schemas.microsoft.com/office/drawing/2014/main" id="{CEE24893-5300-4DEC-AEEF-6561CA6D6C6D}"/>
               </a:ext>
             </a:extLst>
           </p:cNvPr>
@@ -7480,7 +7445,7 @@
           <p:cNvPr id="19" name="Прямая соединительная линия 18">
             <a:extLst>
               <a:ext uri="{FF2B5EF4-FFF2-40B4-BE49-F238E27FC236}">
-                <a16:creationId xmlns:a16="http://schemas.microsoft.com/office/drawing/2014/main" xmlns="" id="{9E1A37E7-CC39-4D06-B129-E212B40B7494}"/>
+                <a16:creationId xmlns:a16="http://schemas.microsoft.com/office/drawing/2014/main" id="{9E1A37E7-CC39-4D06-B129-E212B40B7494}"/>
               </a:ext>
             </a:extLst>
           </p:cNvPr>
@@ -7523,7 +7488,7 @@
           <p:cNvPr id="4" name="Рисунок 3">
             <a:extLst>
               <a:ext uri="{FF2B5EF4-FFF2-40B4-BE49-F238E27FC236}">
-                <a16:creationId xmlns:a16="http://schemas.microsoft.com/office/drawing/2014/main" xmlns="" id="{06309813-2624-468A-B4C2-55E786B153F9}"/>
+                <a16:creationId xmlns:a16="http://schemas.microsoft.com/office/drawing/2014/main" id="{06309813-2624-468A-B4C2-55E786B153F9}"/>
               </a:ext>
             </a:extLst>
           </p:cNvPr>
@@ -7592,7 +7557,7 @@
   <p:hf sldNum="0" hdr="0"/>
   <p:extLst>
     <p:ext uri="{DCECCB84-F9BA-43D5-87BE-67443E8EF086}">
-      <p15:sldGuideLst xmlns:p15="http://schemas.microsoft.com/office/powerpoint/2012/main" xmlns="">
+      <p15:sldGuideLst xmlns:p15="http://schemas.microsoft.com/office/powerpoint/2012/main">
         <p15:guide id="1" orient="horz" pos="2160">
           <p15:clr>
             <a:srgbClr val="FBAE40"/>
@@ -7670,7 +7635,7 @@
           <a:p>
             <a:fld id="{059D3DF4-362F-4380-B1EC-C2B49D857EA8}" type="datetime1">
               <a:rPr lang="ru-RU" smtClean="0"/>
-              <a:t>01.06.2022</a:t>
+              <a:t>20.06.2022</a:t>
             </a:fld>
             <a:endParaRPr lang="ru-RU"/>
           </a:p>
@@ -7976,7 +7941,7 @@
           <a:p>
             <a:fld id="{5EA31C73-FA4F-406B-8502-FA1E65D36BD7}" type="datetime1">
               <a:rPr lang="ru-RU" smtClean="0"/>
-              <a:t>01.06.2022</a:t>
+              <a:t>20.06.2022</a:t>
             </a:fld>
             <a:endParaRPr lang="ru-RU"/>
           </a:p>
@@ -8217,7 +8182,7 @@
           <a:p>
             <a:fld id="{14287395-72AD-4A8C-BA2C-576493747810}" type="datetime1">
               <a:rPr lang="ru-RU" smtClean="0"/>
-              <a:t>01.06.2022</a:t>
+              <a:t>20.06.2022</a:t>
             </a:fld>
             <a:endParaRPr lang="ru-RU"/>
           </a:p>
@@ -8593,7 +8558,7 @@
           <a:p>
             <a:fld id="{DA28A3CE-537F-49ED-AE1A-56FF5044B791}" type="datetime1">
               <a:rPr lang="ru-RU" smtClean="0"/>
-              <a:t>01.06.2022</a:t>
+              <a:t>20.06.2022</a:t>
             </a:fld>
             <a:endParaRPr lang="ru-RU"/>
           </a:p>
@@ -8700,7 +8665,7 @@
           <a:p>
             <a:fld id="{1BF874A9-BF50-4E85-9833-D42AFF4D2219}" type="datetime1">
               <a:rPr lang="ru-RU" smtClean="0"/>
-              <a:t>01.06.2022</a:t>
+              <a:t>20.06.2022</a:t>
             </a:fld>
             <a:endParaRPr lang="ru-RU"/>
           </a:p>
@@ -8987,7 +8952,7 @@
           <a:p>
             <a:fld id="{23B1EE56-D887-4BA9-BA4E-382BA2E97CD3}" type="datetime1">
               <a:rPr lang="ru-RU" smtClean="0"/>
-              <a:t>01.06.2022</a:t>
+              <a:t>20.06.2022</a:t>
             </a:fld>
             <a:endParaRPr lang="ru-RU"/>
           </a:p>
@@ -9251,7 +9216,7 @@
           <a:p>
             <a:fld id="{A8B00E5A-CEF6-41E8-814E-C6517B32F9D7}" type="datetime1">
               <a:rPr lang="ru-RU" smtClean="0"/>
-              <a:t>01.06.2022</a:t>
+              <a:t>20.06.2022</a:t>
             </a:fld>
             <a:endParaRPr lang="ru-RU"/>
           </a:p>
@@ -9431,7 +9396,7 @@
           <a:p>
             <a:fld id="{F6ED769C-4855-4503-AA88-F1E057B5F3B7}" type="datetime1">
               <a:rPr lang="ru-RU" smtClean="0"/>
-              <a:t>01.06.2022</a:t>
+              <a:t>20.06.2022</a:t>
             </a:fld>
             <a:endParaRPr lang="ru-RU"/>
           </a:p>
@@ -9621,7 +9586,7 @@
           <a:p>
             <a:fld id="{7AFEC6BA-D7B5-43DD-9B88-DFB4D2405577}" type="datetime1">
               <a:rPr lang="ru-RU" smtClean="0"/>
-              <a:t>01.06.2022</a:t>
+              <a:t>20.06.2022</a:t>
             </a:fld>
             <a:endParaRPr lang="ru-RU"/>
           </a:p>
@@ -9942,7 +9907,7 @@
           <p:cNvPr id="11" name="Рисунок 10">
             <a:extLst>
               <a:ext uri="{FF2B5EF4-FFF2-40B4-BE49-F238E27FC236}">
-                <a16:creationId xmlns:a16="http://schemas.microsoft.com/office/drawing/2014/main" xmlns="" id="{81E34110-C8A9-4486-B98F-E4B79DCAEDE5}"/>
+                <a16:creationId xmlns:a16="http://schemas.microsoft.com/office/drawing/2014/main" id="{81E34110-C8A9-4486-B98F-E4B79DCAEDE5}"/>
               </a:ext>
             </a:extLst>
           </p:cNvPr>
@@ -9955,7 +9920,7 @@
           <a:blip r:embed="rId2">
             <a:extLst>
               <a:ext uri="{96DAC541-7B7A-43D3-8B79-37D633B846F1}">
-                <asvg:svgBlip xmlns:asvg="http://schemas.microsoft.com/office/drawing/2016/SVG/main" xmlns="" r:embed="rId3"/>
+                <asvg:svgBlip xmlns:asvg="http://schemas.microsoft.com/office/drawing/2016/SVG/main" r:embed="rId3"/>
               </a:ext>
             </a:extLst>
           </a:blip>
@@ -9978,7 +9943,7 @@
           <p:cNvPr id="12" name="Прямоугольник 11">
             <a:extLst>
               <a:ext uri="{FF2B5EF4-FFF2-40B4-BE49-F238E27FC236}">
-                <a16:creationId xmlns:a16="http://schemas.microsoft.com/office/drawing/2014/main" xmlns="" id="{6C05D65B-DD31-4CEF-BBDB-40D3602D5AB1}"/>
+                <a16:creationId xmlns:a16="http://schemas.microsoft.com/office/drawing/2014/main" id="{6C05D65B-DD31-4CEF-BBDB-40D3602D5AB1}"/>
               </a:ext>
             </a:extLst>
           </p:cNvPr>
@@ -10030,7 +9995,7 @@
           <p:cNvPr id="20" name="Текст 15">
             <a:extLst>
               <a:ext uri="{FF2B5EF4-FFF2-40B4-BE49-F238E27FC236}">
-                <a16:creationId xmlns:a16="http://schemas.microsoft.com/office/drawing/2014/main" xmlns="" id="{52250FEF-ABFD-4607-8D13-7821083E0429}"/>
+                <a16:creationId xmlns:a16="http://schemas.microsoft.com/office/drawing/2014/main" id="{52250FEF-ABFD-4607-8D13-7821083E0429}"/>
               </a:ext>
             </a:extLst>
           </p:cNvPr>
@@ -10126,7 +10091,7 @@
           <p:cNvPr id="21" name="Текст 15">
             <a:extLst>
               <a:ext uri="{FF2B5EF4-FFF2-40B4-BE49-F238E27FC236}">
-                <a16:creationId xmlns:a16="http://schemas.microsoft.com/office/drawing/2014/main" xmlns="" id="{41B74553-7C31-4E36-BCA8-D514A93BD22B}"/>
+                <a16:creationId xmlns:a16="http://schemas.microsoft.com/office/drawing/2014/main" id="{41B74553-7C31-4E36-BCA8-D514A93BD22B}"/>
               </a:ext>
             </a:extLst>
           </p:cNvPr>
@@ -10222,7 +10187,7 @@
           <p:cNvPr id="13" name="Прямая соединительная линия 12">
             <a:extLst>
               <a:ext uri="{FF2B5EF4-FFF2-40B4-BE49-F238E27FC236}">
-                <a16:creationId xmlns:a16="http://schemas.microsoft.com/office/drawing/2014/main" xmlns="" id="{DFDCF5E4-E69E-4213-8E1A-E19A90AFEFAA}"/>
+                <a16:creationId xmlns:a16="http://schemas.microsoft.com/office/drawing/2014/main" id="{DFDCF5E4-E69E-4213-8E1A-E19A90AFEFAA}"/>
               </a:ext>
             </a:extLst>
           </p:cNvPr>
@@ -10265,7 +10230,7 @@
           <p:cNvPr id="22" name="Текст 15">
             <a:extLst>
               <a:ext uri="{FF2B5EF4-FFF2-40B4-BE49-F238E27FC236}">
-                <a16:creationId xmlns:a16="http://schemas.microsoft.com/office/drawing/2014/main" xmlns="" id="{AA1E989B-7C23-4633-9264-14F134E9017E}"/>
+                <a16:creationId xmlns:a16="http://schemas.microsoft.com/office/drawing/2014/main" id="{AA1E989B-7C23-4633-9264-14F134E9017E}"/>
               </a:ext>
             </a:extLst>
           </p:cNvPr>
@@ -10361,7 +10326,7 @@
           <p:cNvPr id="23" name="Текст 15">
             <a:extLst>
               <a:ext uri="{FF2B5EF4-FFF2-40B4-BE49-F238E27FC236}">
-                <a16:creationId xmlns:a16="http://schemas.microsoft.com/office/drawing/2014/main" xmlns="" id="{667431C0-5908-4939-B184-047D5B76959A}"/>
+                <a16:creationId xmlns:a16="http://schemas.microsoft.com/office/drawing/2014/main" id="{667431C0-5908-4939-B184-047D5B76959A}"/>
               </a:ext>
             </a:extLst>
           </p:cNvPr>
@@ -10457,7 +10422,7 @@
           <p:cNvPr id="25" name="Текст 15">
             <a:extLst>
               <a:ext uri="{FF2B5EF4-FFF2-40B4-BE49-F238E27FC236}">
-                <a16:creationId xmlns:a16="http://schemas.microsoft.com/office/drawing/2014/main" xmlns="" id="{EAFDEF71-3A3F-43DE-9AD8-B40C11B643A3}"/>
+                <a16:creationId xmlns:a16="http://schemas.microsoft.com/office/drawing/2014/main" id="{EAFDEF71-3A3F-43DE-9AD8-B40C11B643A3}"/>
               </a:ext>
             </a:extLst>
           </p:cNvPr>
@@ -10554,7 +10519,7 @@
           <p:cNvPr id="26" name="Текст 15">
             <a:extLst>
               <a:ext uri="{FF2B5EF4-FFF2-40B4-BE49-F238E27FC236}">
-                <a16:creationId xmlns:a16="http://schemas.microsoft.com/office/drawing/2014/main" xmlns="" id="{796B5197-6632-44B2-ADE6-EE8703B9460F}"/>
+                <a16:creationId xmlns:a16="http://schemas.microsoft.com/office/drawing/2014/main" id="{796B5197-6632-44B2-ADE6-EE8703B9460F}"/>
               </a:ext>
             </a:extLst>
           </p:cNvPr>
@@ -10651,7 +10616,7 @@
           <p:cNvPr id="28" name="Текст 15">
             <a:extLst>
               <a:ext uri="{FF2B5EF4-FFF2-40B4-BE49-F238E27FC236}">
-                <a16:creationId xmlns:a16="http://schemas.microsoft.com/office/drawing/2014/main" xmlns="" id="{46D67457-1E74-4ACE-A696-96E7BCD121BF}"/>
+                <a16:creationId xmlns:a16="http://schemas.microsoft.com/office/drawing/2014/main" id="{46D67457-1E74-4ACE-A696-96E7BCD121BF}"/>
               </a:ext>
             </a:extLst>
           </p:cNvPr>
@@ -10748,7 +10713,7 @@
           <p:cNvPr id="29" name="Текст 15">
             <a:extLst>
               <a:ext uri="{FF2B5EF4-FFF2-40B4-BE49-F238E27FC236}">
-                <a16:creationId xmlns:a16="http://schemas.microsoft.com/office/drawing/2014/main" xmlns="" id="{173412D3-B72B-478C-8827-45FA1E37BCC6}"/>
+                <a16:creationId xmlns:a16="http://schemas.microsoft.com/office/drawing/2014/main" id="{173412D3-B72B-478C-8827-45FA1E37BCC6}"/>
               </a:ext>
             </a:extLst>
           </p:cNvPr>
@@ -10845,7 +10810,7 @@
           <p:cNvPr id="34" name="Рисунок 33">
             <a:extLst>
               <a:ext uri="{FF2B5EF4-FFF2-40B4-BE49-F238E27FC236}">
-                <a16:creationId xmlns:a16="http://schemas.microsoft.com/office/drawing/2014/main" xmlns="" id="{D3D7F913-9AA5-4C24-9974-580864BD24FC}"/>
+                <a16:creationId xmlns:a16="http://schemas.microsoft.com/office/drawing/2014/main" id="{D3D7F913-9AA5-4C24-9974-580864BD24FC}"/>
               </a:ext>
             </a:extLst>
           </p:cNvPr>
@@ -10881,7 +10846,7 @@
           <p:cNvPr id="41" name="Прямая соединительная линия 40">
             <a:extLst>
               <a:ext uri="{FF2B5EF4-FFF2-40B4-BE49-F238E27FC236}">
-                <a16:creationId xmlns:a16="http://schemas.microsoft.com/office/drawing/2014/main" xmlns="" id="{36C15B26-DC5E-4AC7-B858-FC2366E64CC2}"/>
+                <a16:creationId xmlns:a16="http://schemas.microsoft.com/office/drawing/2014/main" id="{36C15B26-DC5E-4AC7-B858-FC2366E64CC2}"/>
               </a:ext>
             </a:extLst>
           </p:cNvPr>
@@ -10924,7 +10889,7 @@
           <p:cNvPr id="42" name="Прямая соединительная линия 41">
             <a:extLst>
               <a:ext uri="{FF2B5EF4-FFF2-40B4-BE49-F238E27FC236}">
-                <a16:creationId xmlns:a16="http://schemas.microsoft.com/office/drawing/2014/main" xmlns="" id="{34F02372-8F59-47CE-9498-E47C096546FC}"/>
+                <a16:creationId xmlns:a16="http://schemas.microsoft.com/office/drawing/2014/main" id="{34F02372-8F59-47CE-9498-E47C096546FC}"/>
               </a:ext>
             </a:extLst>
           </p:cNvPr>
@@ -10967,7 +10932,7 @@
           <p:cNvPr id="43" name="Прямая соединительная линия 42">
             <a:extLst>
               <a:ext uri="{FF2B5EF4-FFF2-40B4-BE49-F238E27FC236}">
-                <a16:creationId xmlns:a16="http://schemas.microsoft.com/office/drawing/2014/main" xmlns="" id="{69BFCE3D-F705-45B9-9CF4-5B3B9AD2AA16}"/>
+                <a16:creationId xmlns:a16="http://schemas.microsoft.com/office/drawing/2014/main" id="{69BFCE3D-F705-45B9-9CF4-5B3B9AD2AA16}"/>
               </a:ext>
             </a:extLst>
           </p:cNvPr>
@@ -11017,7 +10982,7 @@
   </p:clrMapOvr>
   <p:extLst>
     <p:ext uri="{DCECCB84-F9BA-43D5-87BE-67443E8EF086}">
-      <p15:sldGuideLst xmlns:p15="http://schemas.microsoft.com/office/powerpoint/2012/main" xmlns="">
+      <p15:sldGuideLst xmlns:p15="http://schemas.microsoft.com/office/powerpoint/2012/main">
         <p15:guide id="1" orient="horz" pos="4088" userDrawn="1">
           <p15:clr>
             <a:srgbClr val="FBAE40"/>
@@ -11359,7 +11324,7 @@
           <p:cNvPr id="13" name="Рисунок 12">
             <a:extLst>
               <a:ext uri="{FF2B5EF4-FFF2-40B4-BE49-F238E27FC236}">
-                <a16:creationId xmlns:a16="http://schemas.microsoft.com/office/drawing/2014/main" xmlns="" id="{4F40682F-6022-4F6E-AECC-74E42E04F8A8}"/>
+                <a16:creationId xmlns:a16="http://schemas.microsoft.com/office/drawing/2014/main" id="{4F40682F-6022-4F6E-AECC-74E42E04F8A8}"/>
               </a:ext>
             </a:extLst>
           </p:cNvPr>
@@ -11372,7 +11337,7 @@
           <a:blip r:embed="rId2">
             <a:extLst>
               <a:ext uri="{96DAC541-7B7A-43D3-8B79-37D633B846F1}">
-                <asvg:svgBlip xmlns:asvg="http://schemas.microsoft.com/office/drawing/2016/SVG/main" xmlns="" r:embed="rId3"/>
+                <asvg:svgBlip xmlns:asvg="http://schemas.microsoft.com/office/drawing/2016/SVG/main" r:embed="rId3"/>
               </a:ext>
             </a:extLst>
           </a:blip>
@@ -11395,7 +11360,7 @@
           <p:cNvPr id="14" name="Рисунок 13">
             <a:extLst>
               <a:ext uri="{FF2B5EF4-FFF2-40B4-BE49-F238E27FC236}">
-                <a16:creationId xmlns:a16="http://schemas.microsoft.com/office/drawing/2014/main" xmlns="" id="{09750FC3-8B4F-4CDB-8612-7798F5BB7BDC}"/>
+                <a16:creationId xmlns:a16="http://schemas.microsoft.com/office/drawing/2014/main" id="{09750FC3-8B4F-4CDB-8612-7798F5BB7BDC}"/>
               </a:ext>
             </a:extLst>
           </p:cNvPr>
@@ -11431,7 +11396,7 @@
           <p:cNvPr id="20" name="Прямоугольник 19">
             <a:extLst>
               <a:ext uri="{FF2B5EF4-FFF2-40B4-BE49-F238E27FC236}">
-                <a16:creationId xmlns:a16="http://schemas.microsoft.com/office/drawing/2014/main" xmlns="" id="{643A4789-179B-44B9-8364-6EFB63F1CF37}"/>
+                <a16:creationId xmlns:a16="http://schemas.microsoft.com/office/drawing/2014/main" id="{643A4789-179B-44B9-8364-6EFB63F1CF37}"/>
               </a:ext>
             </a:extLst>
           </p:cNvPr>
@@ -11483,7 +11448,7 @@
           <p:cNvPr id="21" name="Текст 2">
             <a:extLst>
               <a:ext uri="{FF2B5EF4-FFF2-40B4-BE49-F238E27FC236}">
-                <a16:creationId xmlns:a16="http://schemas.microsoft.com/office/drawing/2014/main" xmlns="" id="{C0363C66-75E2-4500-B99E-3DE0435B6596}"/>
+                <a16:creationId xmlns:a16="http://schemas.microsoft.com/office/drawing/2014/main" id="{C0363C66-75E2-4500-B99E-3DE0435B6596}"/>
               </a:ext>
             </a:extLst>
           </p:cNvPr>
@@ -11543,7 +11508,7 @@
           <p:cNvPr id="25" name="Текст 2">
             <a:extLst>
               <a:ext uri="{FF2B5EF4-FFF2-40B4-BE49-F238E27FC236}">
-                <a16:creationId xmlns:a16="http://schemas.microsoft.com/office/drawing/2014/main" xmlns="" id="{3E1DA896-F436-477A-A5A0-7DBA6AE721E8}"/>
+                <a16:creationId xmlns:a16="http://schemas.microsoft.com/office/drawing/2014/main" id="{3E1DA896-F436-477A-A5A0-7DBA6AE721E8}"/>
               </a:ext>
             </a:extLst>
           </p:cNvPr>
@@ -11603,7 +11568,7 @@
           <p:cNvPr id="27" name="Заголовок 1">
             <a:extLst>
               <a:ext uri="{FF2B5EF4-FFF2-40B4-BE49-F238E27FC236}">
-                <a16:creationId xmlns:a16="http://schemas.microsoft.com/office/drawing/2014/main" xmlns="" id="{B5E3875E-340A-436A-A651-28010139B8C8}"/>
+                <a16:creationId xmlns:a16="http://schemas.microsoft.com/office/drawing/2014/main" id="{B5E3875E-340A-436A-A651-28010139B8C8}"/>
               </a:ext>
             </a:extLst>
           </p:cNvPr>
@@ -11649,7 +11614,7 @@
   </p:clrMapOvr>
   <p:extLst>
     <p:ext uri="{DCECCB84-F9BA-43D5-87BE-67443E8EF086}">
-      <p15:sldGuideLst xmlns:p15="http://schemas.microsoft.com/office/powerpoint/2012/main" xmlns="">
+      <p15:sldGuideLst xmlns:p15="http://schemas.microsoft.com/office/powerpoint/2012/main">
         <p15:guide id="1" orient="horz" pos="2160" userDrawn="1">
           <p15:clr>
             <a:srgbClr val="FBAE40"/>
@@ -11996,7 +11961,7 @@
           <p:cNvPr id="13" name="Рисунок 12">
             <a:extLst>
               <a:ext uri="{FF2B5EF4-FFF2-40B4-BE49-F238E27FC236}">
-                <a16:creationId xmlns:a16="http://schemas.microsoft.com/office/drawing/2014/main" xmlns="" id="{4F40682F-6022-4F6E-AECC-74E42E04F8A8}"/>
+                <a16:creationId xmlns:a16="http://schemas.microsoft.com/office/drawing/2014/main" id="{4F40682F-6022-4F6E-AECC-74E42E04F8A8}"/>
               </a:ext>
             </a:extLst>
           </p:cNvPr>
@@ -12009,7 +11974,7 @@
           <a:blip r:embed="rId2">
             <a:extLst>
               <a:ext uri="{96DAC541-7B7A-43D3-8B79-37D633B846F1}">
-                <asvg:svgBlip xmlns:asvg="http://schemas.microsoft.com/office/drawing/2016/SVG/main" xmlns="" r:embed="rId3"/>
+                <asvg:svgBlip xmlns:asvg="http://schemas.microsoft.com/office/drawing/2016/SVG/main" r:embed="rId3"/>
               </a:ext>
             </a:extLst>
           </a:blip>
@@ -12032,7 +11997,7 @@
           <p:cNvPr id="14" name="Рисунок 13">
             <a:extLst>
               <a:ext uri="{FF2B5EF4-FFF2-40B4-BE49-F238E27FC236}">
-                <a16:creationId xmlns:a16="http://schemas.microsoft.com/office/drawing/2014/main" xmlns="" id="{09750FC3-8B4F-4CDB-8612-7798F5BB7BDC}"/>
+                <a16:creationId xmlns:a16="http://schemas.microsoft.com/office/drawing/2014/main" id="{09750FC3-8B4F-4CDB-8612-7798F5BB7BDC}"/>
               </a:ext>
             </a:extLst>
           </p:cNvPr>
@@ -12068,7 +12033,7 @@
           <p:cNvPr id="20" name="Прямоугольник 19">
             <a:extLst>
               <a:ext uri="{FF2B5EF4-FFF2-40B4-BE49-F238E27FC236}">
-                <a16:creationId xmlns:a16="http://schemas.microsoft.com/office/drawing/2014/main" xmlns="" id="{643A4789-179B-44B9-8364-6EFB63F1CF37}"/>
+                <a16:creationId xmlns:a16="http://schemas.microsoft.com/office/drawing/2014/main" id="{643A4789-179B-44B9-8364-6EFB63F1CF37}"/>
               </a:ext>
             </a:extLst>
           </p:cNvPr>
@@ -12120,7 +12085,7 @@
           <p:cNvPr id="21" name="Текст 2">
             <a:extLst>
               <a:ext uri="{FF2B5EF4-FFF2-40B4-BE49-F238E27FC236}">
-                <a16:creationId xmlns:a16="http://schemas.microsoft.com/office/drawing/2014/main" xmlns="" id="{C0363C66-75E2-4500-B99E-3DE0435B6596}"/>
+                <a16:creationId xmlns:a16="http://schemas.microsoft.com/office/drawing/2014/main" id="{C0363C66-75E2-4500-B99E-3DE0435B6596}"/>
               </a:ext>
             </a:extLst>
           </p:cNvPr>
@@ -12180,7 +12145,7 @@
           <p:cNvPr id="25" name="Текст 2">
             <a:extLst>
               <a:ext uri="{FF2B5EF4-FFF2-40B4-BE49-F238E27FC236}">
-                <a16:creationId xmlns:a16="http://schemas.microsoft.com/office/drawing/2014/main" xmlns="" id="{3E1DA896-F436-477A-A5A0-7DBA6AE721E8}"/>
+                <a16:creationId xmlns:a16="http://schemas.microsoft.com/office/drawing/2014/main" id="{3E1DA896-F436-477A-A5A0-7DBA6AE721E8}"/>
               </a:ext>
             </a:extLst>
           </p:cNvPr>
@@ -12240,7 +12205,7 @@
           <p:cNvPr id="27" name="Заголовок 1">
             <a:extLst>
               <a:ext uri="{FF2B5EF4-FFF2-40B4-BE49-F238E27FC236}">
-                <a16:creationId xmlns:a16="http://schemas.microsoft.com/office/drawing/2014/main" xmlns="" id="{B5E3875E-340A-436A-A651-28010139B8C8}"/>
+                <a16:creationId xmlns:a16="http://schemas.microsoft.com/office/drawing/2014/main" id="{B5E3875E-340A-436A-A651-28010139B8C8}"/>
               </a:ext>
             </a:extLst>
           </p:cNvPr>
@@ -12286,7 +12251,7 @@
   </p:clrMapOvr>
   <p:extLst>
     <p:ext uri="{DCECCB84-F9BA-43D5-87BE-67443E8EF086}">
-      <p15:sldGuideLst xmlns:p15="http://schemas.microsoft.com/office/powerpoint/2012/main" xmlns="">
+      <p15:sldGuideLst xmlns:p15="http://schemas.microsoft.com/office/powerpoint/2012/main">
         <p15:guide id="1" orient="horz" pos="2160" userDrawn="1">
           <p15:clr>
             <a:srgbClr val="FBAE40"/>
@@ -12444,7 +12409,7 @@
           <p:cNvPr id="13" name="Рисунок 12">
             <a:extLst>
               <a:ext uri="{FF2B5EF4-FFF2-40B4-BE49-F238E27FC236}">
-                <a16:creationId xmlns:a16="http://schemas.microsoft.com/office/drawing/2014/main" xmlns="" id="{4F40682F-6022-4F6E-AECC-74E42E04F8A8}"/>
+                <a16:creationId xmlns:a16="http://schemas.microsoft.com/office/drawing/2014/main" id="{4F40682F-6022-4F6E-AECC-74E42E04F8A8}"/>
               </a:ext>
             </a:extLst>
           </p:cNvPr>
@@ -12457,7 +12422,7 @@
           <a:blip r:embed="rId2">
             <a:extLst>
               <a:ext uri="{96DAC541-7B7A-43D3-8B79-37D633B846F1}">
-                <asvg:svgBlip xmlns:asvg="http://schemas.microsoft.com/office/drawing/2016/SVG/main" xmlns="" r:embed="rId3"/>
+                <asvg:svgBlip xmlns:asvg="http://schemas.microsoft.com/office/drawing/2016/SVG/main" r:embed="rId3"/>
               </a:ext>
             </a:extLst>
           </a:blip>
@@ -12480,7 +12445,7 @@
           <p:cNvPr id="14" name="Рисунок 13">
             <a:extLst>
               <a:ext uri="{FF2B5EF4-FFF2-40B4-BE49-F238E27FC236}">
-                <a16:creationId xmlns:a16="http://schemas.microsoft.com/office/drawing/2014/main" xmlns="" id="{09750FC3-8B4F-4CDB-8612-7798F5BB7BDC}"/>
+                <a16:creationId xmlns:a16="http://schemas.microsoft.com/office/drawing/2014/main" id="{09750FC3-8B4F-4CDB-8612-7798F5BB7BDC}"/>
               </a:ext>
             </a:extLst>
           </p:cNvPr>
@@ -12516,7 +12481,7 @@
           <p:cNvPr id="15" name="Нижний колонтитул 4">
             <a:extLst>
               <a:ext uri="{FF2B5EF4-FFF2-40B4-BE49-F238E27FC236}">
-                <a16:creationId xmlns:a16="http://schemas.microsoft.com/office/drawing/2014/main" xmlns="" id="{EFCFB160-DD4A-4FFE-A13A-F9A311B98CE3}"/>
+                <a16:creationId xmlns:a16="http://schemas.microsoft.com/office/drawing/2014/main" id="{EFCFB160-DD4A-4FFE-A13A-F9A311B98CE3}"/>
               </a:ext>
             </a:extLst>
           </p:cNvPr>
@@ -12566,7 +12531,7 @@
           <p:cNvPr id="17" name="Текст 30">
             <a:extLst>
               <a:ext uri="{FF2B5EF4-FFF2-40B4-BE49-F238E27FC236}">
-                <a16:creationId xmlns:a16="http://schemas.microsoft.com/office/drawing/2014/main" xmlns="" id="{1A11F27B-7F9B-4025-A290-1052072AD730}"/>
+                <a16:creationId xmlns:a16="http://schemas.microsoft.com/office/drawing/2014/main" id="{1A11F27B-7F9B-4025-A290-1052072AD730}"/>
               </a:ext>
             </a:extLst>
           </p:cNvPr>
@@ -12647,7 +12612,7 @@
           <p:cNvPr id="20" name="Прямоугольник 19">
             <a:extLst>
               <a:ext uri="{FF2B5EF4-FFF2-40B4-BE49-F238E27FC236}">
-                <a16:creationId xmlns:a16="http://schemas.microsoft.com/office/drawing/2014/main" xmlns="" id="{7E3A7541-9390-465F-A8AA-0E8AE525F81B}"/>
+                <a16:creationId xmlns:a16="http://schemas.microsoft.com/office/drawing/2014/main" id="{7E3A7541-9390-465F-A8AA-0E8AE525F81B}"/>
               </a:ext>
             </a:extLst>
           </p:cNvPr>
@@ -12699,7 +12664,7 @@
           <p:cNvPr id="21" name="Заголовок 1">
             <a:extLst>
               <a:ext uri="{FF2B5EF4-FFF2-40B4-BE49-F238E27FC236}">
-                <a16:creationId xmlns:a16="http://schemas.microsoft.com/office/drawing/2014/main" xmlns="" id="{DFCDB938-8855-4A92-8ED7-24CFF5F323EE}"/>
+                <a16:creationId xmlns:a16="http://schemas.microsoft.com/office/drawing/2014/main" id="{DFCDB938-8855-4A92-8ED7-24CFF5F323EE}"/>
               </a:ext>
             </a:extLst>
           </p:cNvPr>
@@ -12738,7 +12703,7 @@
           <p:cNvPr id="22" name="Подзаголовок 2">
             <a:extLst>
               <a:ext uri="{FF2B5EF4-FFF2-40B4-BE49-F238E27FC236}">
-                <a16:creationId xmlns:a16="http://schemas.microsoft.com/office/drawing/2014/main" xmlns="" id="{DF9825C7-6D24-4EA4-BA1B-43FC6020B448}"/>
+                <a16:creationId xmlns:a16="http://schemas.microsoft.com/office/drawing/2014/main" id="{DF9825C7-6D24-4EA4-BA1B-43FC6020B448}"/>
               </a:ext>
             </a:extLst>
           </p:cNvPr>
@@ -12814,7 +12779,7 @@
           <p:cNvPr id="4" name="Рисунок SmartArt 3">
             <a:extLst>
               <a:ext uri="{FF2B5EF4-FFF2-40B4-BE49-F238E27FC236}">
-                <a16:creationId xmlns:a16="http://schemas.microsoft.com/office/drawing/2014/main" xmlns="" id="{A5466D0E-5E0E-44EB-A4E0-9AFEC37F9B6E}"/>
+                <a16:creationId xmlns:a16="http://schemas.microsoft.com/office/drawing/2014/main" id="{A5466D0E-5E0E-44EB-A4E0-9AFEC37F9B6E}"/>
               </a:ext>
             </a:extLst>
           </p:cNvPr>
@@ -12851,7 +12816,7 @@
   </p:clrMapOvr>
   <p:extLst>
     <p:ext uri="{DCECCB84-F9BA-43D5-87BE-67443E8EF086}">
-      <p15:sldGuideLst xmlns:p15="http://schemas.microsoft.com/office/powerpoint/2012/main" xmlns="">
+      <p15:sldGuideLst xmlns:p15="http://schemas.microsoft.com/office/powerpoint/2012/main">
         <p15:guide id="1" orient="horz" pos="2160" userDrawn="1">
           <p15:clr>
             <a:srgbClr val="FBAE40"/>
@@ -12999,7 +12964,7 @@
           <p:cNvPr id="13" name="Рисунок 12">
             <a:extLst>
               <a:ext uri="{FF2B5EF4-FFF2-40B4-BE49-F238E27FC236}">
-                <a16:creationId xmlns:a16="http://schemas.microsoft.com/office/drawing/2014/main" xmlns="" id="{4F40682F-6022-4F6E-AECC-74E42E04F8A8}"/>
+                <a16:creationId xmlns:a16="http://schemas.microsoft.com/office/drawing/2014/main" id="{4F40682F-6022-4F6E-AECC-74E42E04F8A8}"/>
               </a:ext>
             </a:extLst>
           </p:cNvPr>
@@ -13012,7 +12977,7 @@
           <a:blip r:embed="rId2">
             <a:extLst>
               <a:ext uri="{96DAC541-7B7A-43D3-8B79-37D633B846F1}">
-                <asvg:svgBlip xmlns:asvg="http://schemas.microsoft.com/office/drawing/2016/SVG/main" xmlns="" r:embed="rId3"/>
+                <asvg:svgBlip xmlns:asvg="http://schemas.microsoft.com/office/drawing/2016/SVG/main" r:embed="rId3"/>
               </a:ext>
             </a:extLst>
           </a:blip>
@@ -13035,7 +13000,7 @@
           <p:cNvPr id="14" name="Рисунок 13">
             <a:extLst>
               <a:ext uri="{FF2B5EF4-FFF2-40B4-BE49-F238E27FC236}">
-                <a16:creationId xmlns:a16="http://schemas.microsoft.com/office/drawing/2014/main" xmlns="" id="{09750FC3-8B4F-4CDB-8612-7798F5BB7BDC}"/>
+                <a16:creationId xmlns:a16="http://schemas.microsoft.com/office/drawing/2014/main" id="{09750FC3-8B4F-4CDB-8612-7798F5BB7BDC}"/>
               </a:ext>
             </a:extLst>
           </p:cNvPr>
@@ -13071,7 +13036,7 @@
           <p:cNvPr id="15" name="Нижний колонтитул 4">
             <a:extLst>
               <a:ext uri="{FF2B5EF4-FFF2-40B4-BE49-F238E27FC236}">
-                <a16:creationId xmlns:a16="http://schemas.microsoft.com/office/drawing/2014/main" xmlns="" id="{EFCFB160-DD4A-4FFE-A13A-F9A311B98CE3}"/>
+                <a16:creationId xmlns:a16="http://schemas.microsoft.com/office/drawing/2014/main" id="{EFCFB160-DD4A-4FFE-A13A-F9A311B98CE3}"/>
               </a:ext>
             </a:extLst>
           </p:cNvPr>
@@ -13121,7 +13086,7 @@
           <p:cNvPr id="17" name="Текст 30">
             <a:extLst>
               <a:ext uri="{FF2B5EF4-FFF2-40B4-BE49-F238E27FC236}">
-                <a16:creationId xmlns:a16="http://schemas.microsoft.com/office/drawing/2014/main" xmlns="" id="{1A11F27B-7F9B-4025-A290-1052072AD730}"/>
+                <a16:creationId xmlns:a16="http://schemas.microsoft.com/office/drawing/2014/main" id="{1A11F27B-7F9B-4025-A290-1052072AD730}"/>
               </a:ext>
             </a:extLst>
           </p:cNvPr>
@@ -13202,7 +13167,7 @@
           <p:cNvPr id="20" name="Прямоугольник 19">
             <a:extLst>
               <a:ext uri="{FF2B5EF4-FFF2-40B4-BE49-F238E27FC236}">
-                <a16:creationId xmlns:a16="http://schemas.microsoft.com/office/drawing/2014/main" xmlns="" id="{7E3A7541-9390-465F-A8AA-0E8AE525F81B}"/>
+                <a16:creationId xmlns:a16="http://schemas.microsoft.com/office/drawing/2014/main" id="{7E3A7541-9390-465F-A8AA-0E8AE525F81B}"/>
               </a:ext>
             </a:extLst>
           </p:cNvPr>
@@ -13254,7 +13219,7 @@
           <p:cNvPr id="21" name="Заголовок 1">
             <a:extLst>
               <a:ext uri="{FF2B5EF4-FFF2-40B4-BE49-F238E27FC236}">
-                <a16:creationId xmlns:a16="http://schemas.microsoft.com/office/drawing/2014/main" xmlns="" id="{DFCDB938-8855-4A92-8ED7-24CFF5F323EE}"/>
+                <a16:creationId xmlns:a16="http://schemas.microsoft.com/office/drawing/2014/main" id="{DFCDB938-8855-4A92-8ED7-24CFF5F323EE}"/>
               </a:ext>
             </a:extLst>
           </p:cNvPr>
@@ -13293,7 +13258,7 @@
           <p:cNvPr id="22" name="Подзаголовок 2">
             <a:extLst>
               <a:ext uri="{FF2B5EF4-FFF2-40B4-BE49-F238E27FC236}">
-                <a16:creationId xmlns:a16="http://schemas.microsoft.com/office/drawing/2014/main" xmlns="" id="{DF9825C7-6D24-4EA4-BA1B-43FC6020B448}"/>
+                <a16:creationId xmlns:a16="http://schemas.microsoft.com/office/drawing/2014/main" id="{DF9825C7-6D24-4EA4-BA1B-43FC6020B448}"/>
               </a:ext>
             </a:extLst>
           </p:cNvPr>
@@ -13369,7 +13334,7 @@
           <p:cNvPr id="3" name="Текст 2">
             <a:extLst>
               <a:ext uri="{FF2B5EF4-FFF2-40B4-BE49-F238E27FC236}">
-                <a16:creationId xmlns:a16="http://schemas.microsoft.com/office/drawing/2014/main" xmlns="" id="{0CADDC92-CF1A-4D67-9037-D0E133DA6ACF}"/>
+                <a16:creationId xmlns:a16="http://schemas.microsoft.com/office/drawing/2014/main" id="{0CADDC92-CF1A-4D67-9037-D0E133DA6ACF}"/>
               </a:ext>
             </a:extLst>
           </p:cNvPr>
@@ -13420,7 +13385,7 @@
   </p:clrMapOvr>
   <p:extLst>
     <p:ext uri="{DCECCB84-F9BA-43D5-87BE-67443E8EF086}">
-      <p15:sldGuideLst xmlns:p15="http://schemas.microsoft.com/office/powerpoint/2012/main" xmlns="">
+      <p15:sldGuideLst xmlns:p15="http://schemas.microsoft.com/office/powerpoint/2012/main">
         <p15:guide id="1" orient="horz" pos="2160" userDrawn="1">
           <p15:clr>
             <a:srgbClr val="FBAE40"/>
@@ -13638,7 +13603,7 @@
           <p:cNvPr id="13" name="Объект 2">
             <a:extLst>
               <a:ext uri="{FF2B5EF4-FFF2-40B4-BE49-F238E27FC236}">
-                <a16:creationId xmlns:a16="http://schemas.microsoft.com/office/drawing/2014/main" xmlns="" id="{1697E744-A2F2-489C-A531-D443DC820970}"/>
+                <a16:creationId xmlns:a16="http://schemas.microsoft.com/office/drawing/2014/main" id="{1697E744-A2F2-489C-A531-D443DC820970}"/>
               </a:ext>
             </a:extLst>
           </p:cNvPr>
@@ -13700,7 +13665,7 @@
           <p:cNvPr id="14" name="Объект 3">
             <a:extLst>
               <a:ext uri="{FF2B5EF4-FFF2-40B4-BE49-F238E27FC236}">
-                <a16:creationId xmlns:a16="http://schemas.microsoft.com/office/drawing/2014/main" xmlns="" id="{6A5B3618-B9AC-4E66-B265-4176A77EE3E0}"/>
+                <a16:creationId xmlns:a16="http://schemas.microsoft.com/office/drawing/2014/main" id="{6A5B3618-B9AC-4E66-B265-4176A77EE3E0}"/>
               </a:ext>
             </a:extLst>
           </p:cNvPr>
@@ -13762,7 +13727,7 @@
           <p:cNvPr id="15" name="Рисунок 14">
             <a:extLst>
               <a:ext uri="{FF2B5EF4-FFF2-40B4-BE49-F238E27FC236}">
-                <a16:creationId xmlns:a16="http://schemas.microsoft.com/office/drawing/2014/main" xmlns="" id="{A6E7C47B-21E2-4A14-81C6-9883E7739667}"/>
+                <a16:creationId xmlns:a16="http://schemas.microsoft.com/office/drawing/2014/main" id="{A6E7C47B-21E2-4A14-81C6-9883E7739667}"/>
               </a:ext>
             </a:extLst>
           </p:cNvPr>
@@ -13775,7 +13740,7 @@
           <a:blip r:embed="rId2">
             <a:extLst>
               <a:ext uri="{96DAC541-7B7A-43D3-8B79-37D633B846F1}">
-                <asvg:svgBlip xmlns:asvg="http://schemas.microsoft.com/office/drawing/2016/SVG/main" xmlns="" r:embed="rId3"/>
+                <asvg:svgBlip xmlns:asvg="http://schemas.microsoft.com/office/drawing/2016/SVG/main" r:embed="rId3"/>
               </a:ext>
             </a:extLst>
           </a:blip>
@@ -13798,7 +13763,7 @@
           <p:cNvPr id="20" name="Рисунок 19">
             <a:extLst>
               <a:ext uri="{FF2B5EF4-FFF2-40B4-BE49-F238E27FC236}">
-                <a16:creationId xmlns:a16="http://schemas.microsoft.com/office/drawing/2014/main" xmlns="" id="{A7721F37-11F5-4D90-8D3E-2CA2F1B25D82}"/>
+                <a16:creationId xmlns:a16="http://schemas.microsoft.com/office/drawing/2014/main" id="{A7721F37-11F5-4D90-8D3E-2CA2F1B25D82}"/>
               </a:ext>
             </a:extLst>
           </p:cNvPr>
@@ -13834,7 +13799,7 @@
           <p:cNvPr id="17" name="Нижний колонтитул 4">
             <a:extLst>
               <a:ext uri="{FF2B5EF4-FFF2-40B4-BE49-F238E27FC236}">
-                <a16:creationId xmlns:a16="http://schemas.microsoft.com/office/drawing/2014/main" xmlns="" id="{82283050-8C81-4BFC-9A31-84D447DF5D12}"/>
+                <a16:creationId xmlns:a16="http://schemas.microsoft.com/office/drawing/2014/main" id="{82283050-8C81-4BFC-9A31-84D447DF5D12}"/>
               </a:ext>
             </a:extLst>
           </p:cNvPr>
@@ -13884,7 +13849,7 @@
           <p:cNvPr id="21" name="Текст 30">
             <a:extLst>
               <a:ext uri="{FF2B5EF4-FFF2-40B4-BE49-F238E27FC236}">
-                <a16:creationId xmlns:a16="http://schemas.microsoft.com/office/drawing/2014/main" xmlns="" id="{B67C2AA3-1066-4E66-B235-5E0FFCB323C6}"/>
+                <a16:creationId xmlns:a16="http://schemas.microsoft.com/office/drawing/2014/main" id="{B67C2AA3-1066-4E66-B235-5E0FFCB323C6}"/>
               </a:ext>
             </a:extLst>
           </p:cNvPr>
@@ -13965,7 +13930,7 @@
           <p:cNvPr id="22" name="Прямоугольник 21">
             <a:extLst>
               <a:ext uri="{FF2B5EF4-FFF2-40B4-BE49-F238E27FC236}">
-                <a16:creationId xmlns:a16="http://schemas.microsoft.com/office/drawing/2014/main" xmlns="" id="{4619F01B-62C7-4185-BFA3-E06E7575E493}"/>
+                <a16:creationId xmlns:a16="http://schemas.microsoft.com/office/drawing/2014/main" id="{4619F01B-62C7-4185-BFA3-E06E7575E493}"/>
               </a:ext>
             </a:extLst>
           </p:cNvPr>
@@ -14017,7 +13982,7 @@
           <p:cNvPr id="24" name="Заголовок 1">
             <a:extLst>
               <a:ext uri="{FF2B5EF4-FFF2-40B4-BE49-F238E27FC236}">
-                <a16:creationId xmlns:a16="http://schemas.microsoft.com/office/drawing/2014/main" xmlns="" id="{796B8A15-DCE6-4FA2-8C58-C8898723B2A8}"/>
+                <a16:creationId xmlns:a16="http://schemas.microsoft.com/office/drawing/2014/main" id="{796B8A15-DCE6-4FA2-8C58-C8898723B2A8}"/>
               </a:ext>
             </a:extLst>
           </p:cNvPr>
@@ -14063,7 +14028,7 @@
   </p:clrMapOvr>
   <p:extLst>
     <p:ext uri="{DCECCB84-F9BA-43D5-87BE-67443E8EF086}">
-      <p15:sldGuideLst xmlns:p15="http://schemas.microsoft.com/office/powerpoint/2012/main" xmlns="">
+      <p15:sldGuideLst xmlns:p15="http://schemas.microsoft.com/office/powerpoint/2012/main">
         <p15:guide id="1" orient="horz" pos="2160" userDrawn="1">
           <p15:clr>
             <a:srgbClr val="FBAE40"/>
@@ -14925,7 +14890,7 @@
           <p:cNvPr id="23" name="Рисунок 22">
             <a:extLst>
               <a:ext uri="{FF2B5EF4-FFF2-40B4-BE49-F238E27FC236}">
-                <a16:creationId xmlns:a16="http://schemas.microsoft.com/office/drawing/2014/main" xmlns="" id="{26A8A36A-4D7A-4716-8A87-9E2AEA9C7801}"/>
+                <a16:creationId xmlns:a16="http://schemas.microsoft.com/office/drawing/2014/main" id="{26A8A36A-4D7A-4716-8A87-9E2AEA9C7801}"/>
               </a:ext>
             </a:extLst>
           </p:cNvPr>
@@ -14938,7 +14903,7 @@
           <a:blip r:embed="rId2">
             <a:extLst>
               <a:ext uri="{96DAC541-7B7A-43D3-8B79-37D633B846F1}">
-                <asvg:svgBlip xmlns:asvg="http://schemas.microsoft.com/office/drawing/2016/SVG/main" xmlns="" r:embed="rId3"/>
+                <asvg:svgBlip xmlns:asvg="http://schemas.microsoft.com/office/drawing/2016/SVG/main" r:embed="rId3"/>
               </a:ext>
             </a:extLst>
           </a:blip>
@@ -14961,7 +14926,7 @@
           <p:cNvPr id="31" name="Рисунок 30">
             <a:extLst>
               <a:ext uri="{FF2B5EF4-FFF2-40B4-BE49-F238E27FC236}">
-                <a16:creationId xmlns:a16="http://schemas.microsoft.com/office/drawing/2014/main" xmlns="" id="{04FD3728-82E8-41B0-8E3F-E50B9F269FA0}"/>
+                <a16:creationId xmlns:a16="http://schemas.microsoft.com/office/drawing/2014/main" id="{04FD3728-82E8-41B0-8E3F-E50B9F269FA0}"/>
               </a:ext>
             </a:extLst>
           </p:cNvPr>
@@ -14997,7 +14962,7 @@
           <p:cNvPr id="32" name="Нижний колонтитул 4">
             <a:extLst>
               <a:ext uri="{FF2B5EF4-FFF2-40B4-BE49-F238E27FC236}">
-                <a16:creationId xmlns:a16="http://schemas.microsoft.com/office/drawing/2014/main" xmlns="" id="{87A59F01-A755-4591-844A-BF74DA561DAD}"/>
+                <a16:creationId xmlns:a16="http://schemas.microsoft.com/office/drawing/2014/main" id="{87A59F01-A755-4591-844A-BF74DA561DAD}"/>
               </a:ext>
             </a:extLst>
           </p:cNvPr>
@@ -15047,7 +15012,7 @@
           <p:cNvPr id="33" name="Текст 30">
             <a:extLst>
               <a:ext uri="{FF2B5EF4-FFF2-40B4-BE49-F238E27FC236}">
-                <a16:creationId xmlns:a16="http://schemas.microsoft.com/office/drawing/2014/main" xmlns="" id="{3BC243F4-3A4C-4AAC-B0CC-C4860EDCF239}"/>
+                <a16:creationId xmlns:a16="http://schemas.microsoft.com/office/drawing/2014/main" id="{3BC243F4-3A4C-4AAC-B0CC-C4860EDCF239}"/>
               </a:ext>
             </a:extLst>
           </p:cNvPr>
@@ -15128,7 +15093,7 @@
           <p:cNvPr id="34" name="Прямоугольник 33">
             <a:extLst>
               <a:ext uri="{FF2B5EF4-FFF2-40B4-BE49-F238E27FC236}">
-                <a16:creationId xmlns:a16="http://schemas.microsoft.com/office/drawing/2014/main" xmlns="" id="{679C40A6-2864-416B-A229-278457EB2721}"/>
+                <a16:creationId xmlns:a16="http://schemas.microsoft.com/office/drawing/2014/main" id="{679C40A6-2864-416B-A229-278457EB2721}"/>
               </a:ext>
             </a:extLst>
           </p:cNvPr>
@@ -15180,7 +15145,7 @@
           <p:cNvPr id="35" name="Заголовок 1">
             <a:extLst>
               <a:ext uri="{FF2B5EF4-FFF2-40B4-BE49-F238E27FC236}">
-                <a16:creationId xmlns:a16="http://schemas.microsoft.com/office/drawing/2014/main" xmlns="" id="{415DFB3C-D7A0-4EED-B37D-2F405F129BB7}"/>
+                <a16:creationId xmlns:a16="http://schemas.microsoft.com/office/drawing/2014/main" id="{415DFB3C-D7A0-4EED-B37D-2F405F129BB7}"/>
               </a:ext>
             </a:extLst>
           </p:cNvPr>
@@ -15226,7 +15191,7 @@
   </p:clrMapOvr>
   <p:extLst>
     <p:ext uri="{DCECCB84-F9BA-43D5-87BE-67443E8EF086}">
-      <p15:sldGuideLst xmlns:p15="http://schemas.microsoft.com/office/powerpoint/2012/main" xmlns="">
+      <p15:sldGuideLst xmlns:p15="http://schemas.microsoft.com/office/powerpoint/2012/main">
         <p15:guide id="1" orient="horz" pos="2160">
           <p15:clr>
             <a:srgbClr val="FBAE40"/>
@@ -15674,7 +15639,7 @@
           <p:cNvPr id="18" name="Рисунок 17">
             <a:extLst>
               <a:ext uri="{FF2B5EF4-FFF2-40B4-BE49-F238E27FC236}">
-                <a16:creationId xmlns:a16="http://schemas.microsoft.com/office/drawing/2014/main" xmlns="" id="{C558F6C5-9DE4-4867-A413-7F3BD4513885}"/>
+                <a16:creationId xmlns:a16="http://schemas.microsoft.com/office/drawing/2014/main" id="{C558F6C5-9DE4-4867-A413-7F3BD4513885}"/>
               </a:ext>
             </a:extLst>
           </p:cNvPr>
@@ -15687,7 +15652,7 @@
           <a:blip r:embed="rId2">
             <a:extLst>
               <a:ext uri="{96DAC541-7B7A-43D3-8B79-37D633B846F1}">
-                <asvg:svgBlip xmlns:asvg="http://schemas.microsoft.com/office/drawing/2016/SVG/main" xmlns="" r:embed="rId3"/>
+                <asvg:svgBlip xmlns:asvg="http://schemas.microsoft.com/office/drawing/2016/SVG/main" r:embed="rId3"/>
               </a:ext>
             </a:extLst>
           </a:blip>
@@ -15710,7 +15675,7 @@
           <p:cNvPr id="19" name="Рисунок 18">
             <a:extLst>
               <a:ext uri="{FF2B5EF4-FFF2-40B4-BE49-F238E27FC236}">
-                <a16:creationId xmlns:a16="http://schemas.microsoft.com/office/drawing/2014/main" xmlns="" id="{58F668EE-65E5-4771-8F54-7FA6D4833068}"/>
+                <a16:creationId xmlns:a16="http://schemas.microsoft.com/office/drawing/2014/main" id="{58F668EE-65E5-4771-8F54-7FA6D4833068}"/>
               </a:ext>
             </a:extLst>
           </p:cNvPr>
@@ -15746,7 +15711,7 @@
           <p:cNvPr id="21" name="Нижний колонтитул 4">
             <a:extLst>
               <a:ext uri="{FF2B5EF4-FFF2-40B4-BE49-F238E27FC236}">
-                <a16:creationId xmlns:a16="http://schemas.microsoft.com/office/drawing/2014/main" xmlns="" id="{3AFCFED4-1B54-4814-851B-C0D6716754F5}"/>
+                <a16:creationId xmlns:a16="http://schemas.microsoft.com/office/drawing/2014/main" id="{3AFCFED4-1B54-4814-851B-C0D6716754F5}"/>
               </a:ext>
             </a:extLst>
           </p:cNvPr>
@@ -15796,7 +15761,7 @@
           <p:cNvPr id="22" name="Текст 30">
             <a:extLst>
               <a:ext uri="{FF2B5EF4-FFF2-40B4-BE49-F238E27FC236}">
-                <a16:creationId xmlns:a16="http://schemas.microsoft.com/office/drawing/2014/main" xmlns="" id="{5FE43758-4075-4C89-B705-46D639CC11CD}"/>
+                <a16:creationId xmlns:a16="http://schemas.microsoft.com/office/drawing/2014/main" id="{5FE43758-4075-4C89-B705-46D639CC11CD}"/>
               </a:ext>
             </a:extLst>
           </p:cNvPr>
@@ -15877,7 +15842,7 @@
           <p:cNvPr id="28" name="Прямоугольник 27">
             <a:extLst>
               <a:ext uri="{FF2B5EF4-FFF2-40B4-BE49-F238E27FC236}">
-                <a16:creationId xmlns:a16="http://schemas.microsoft.com/office/drawing/2014/main" xmlns="" id="{5A39B885-0BA1-4277-AD29-EDCF78354D25}"/>
+                <a16:creationId xmlns:a16="http://schemas.microsoft.com/office/drawing/2014/main" id="{5A39B885-0BA1-4277-AD29-EDCF78354D25}"/>
               </a:ext>
             </a:extLst>
           </p:cNvPr>
@@ -15929,7 +15894,7 @@
           <p:cNvPr id="29" name="Заголовок 1">
             <a:extLst>
               <a:ext uri="{FF2B5EF4-FFF2-40B4-BE49-F238E27FC236}">
-                <a16:creationId xmlns:a16="http://schemas.microsoft.com/office/drawing/2014/main" xmlns="" id="{2CC2693C-00E7-4A93-90E3-B5BDD444C8E8}"/>
+                <a16:creationId xmlns:a16="http://schemas.microsoft.com/office/drawing/2014/main" id="{2CC2693C-00E7-4A93-90E3-B5BDD444C8E8}"/>
               </a:ext>
             </a:extLst>
           </p:cNvPr>
@@ -15975,7 +15940,7 @@
   </p:clrMapOvr>
   <p:extLst>
     <p:ext uri="{DCECCB84-F9BA-43D5-87BE-67443E8EF086}">
-      <p15:sldGuideLst xmlns:p15="http://schemas.microsoft.com/office/powerpoint/2012/main" xmlns="">
+      <p15:sldGuideLst xmlns:p15="http://schemas.microsoft.com/office/powerpoint/2012/main">
         <p15:guide id="1" orient="horz" pos="2160" userDrawn="1">
           <p15:clr>
             <a:srgbClr val="FBAE40"/>
@@ -16141,7 +16106,7 @@
           <a:p>
             <a:fld id="{5B5A1824-DE1E-4399-8590-C35D2F7907FF}" type="datetime1">
               <a:rPr lang="ru-RU" smtClean="0"/>
-              <a:t>01.06.2022</a:t>
+              <a:t>20.06.2022</a:t>
             </a:fld>
             <a:endParaRPr lang="ru-RU" dirty="0"/>
           </a:p>
@@ -16599,7 +16564,7 @@
           <p:cNvPr id="6" name="Рисунок 5">
             <a:extLst>
               <a:ext uri="{FF2B5EF4-FFF2-40B4-BE49-F238E27FC236}">
-                <a16:creationId xmlns:a16="http://schemas.microsoft.com/office/drawing/2014/main" xmlns="" id="{B652C95A-C90C-4DF7-95E2-9B93A3170A63}"/>
+                <a16:creationId xmlns:a16="http://schemas.microsoft.com/office/drawing/2014/main" id="{B652C95A-C90C-4DF7-95E2-9B93A3170A63}"/>
               </a:ext>
             </a:extLst>
           </p:cNvPr>
@@ -16612,7 +16577,7 @@
           <a:blip r:embed="rId2">
             <a:extLst>
               <a:ext uri="{96DAC541-7B7A-43D3-8B79-37D633B846F1}">
-                <asvg:svgBlip xmlns:asvg="http://schemas.microsoft.com/office/drawing/2016/SVG/main" xmlns="" r:embed="rId3"/>
+                <asvg:svgBlip xmlns:asvg="http://schemas.microsoft.com/office/drawing/2016/SVG/main" r:embed="rId3"/>
               </a:ext>
             </a:extLst>
           </a:blip>
@@ -16690,7 +16655,7 @@
           <a:p>
             <a:fld id="{85C82742-7E51-420D-BB67-B6F29893C5F1}" type="datetime4">
               <a:rPr lang="ru-RU" smtClean="0"/>
-              <a:t>1 июня 2022 г.</a:t>
+              <a:t>20 июня 2022 г.</a:t>
             </a:fld>
             <a:endParaRPr lang="ru-RU" dirty="0"/>
           </a:p>
@@ -16771,7 +16736,7 @@
                 <a:hlinkClick r:id="rId4">
                   <a:extLst>
                     <a:ext uri="{A12FA001-AC4F-418D-AE19-62706E023703}">
-                      <ahyp:hlinkClr xmlns:ahyp="http://schemas.microsoft.com/office/drawing/2018/hyperlinkcolor" xmlns="" val="tx"/>
+                      <ahyp:hlinkClr xmlns:ahyp="http://schemas.microsoft.com/office/drawing/2018/hyperlinkcolor" val="tx"/>
                     </a:ext>
                   </a:extLst>
                 </a:hlinkClick>
@@ -16791,7 +16756,7 @@
           <p:cNvPr id="7" name="Прямоугольник 6">
             <a:extLst>
               <a:ext uri="{FF2B5EF4-FFF2-40B4-BE49-F238E27FC236}">
-                <a16:creationId xmlns:a16="http://schemas.microsoft.com/office/drawing/2014/main" xmlns="" id="{864795DB-DBEA-4F2C-85A4-521BCBFDE1BF}"/>
+                <a16:creationId xmlns:a16="http://schemas.microsoft.com/office/drawing/2014/main" id="{864795DB-DBEA-4F2C-85A4-521BCBFDE1BF}"/>
               </a:ext>
             </a:extLst>
           </p:cNvPr>
@@ -16801,7 +16766,7 @@
         <p:spPr>
           <a:xfrm>
             <a:off x="919820" y="3924157"/>
-            <a:ext cx="2577949" cy="1354217"/>
+            <a:ext cx="1882247" cy="1354217"/>
           </a:xfrm>
           <a:prstGeom prst="rect">
             <a:avLst/>
@@ -16827,7 +16792,7 @@
                   <a:schemeClr val="bg1"/>
                 </a:solidFill>
               </a:rPr>
-              <a:t>МАСТЕР-КЛАСС</a:t>
+              <a:t>КУРС</a:t>
             </a:r>
           </a:p>
           <a:p>
@@ -16883,13 +16848,6 @@
   <p:clrMapOvr>
     <a:masterClrMapping/>
   </p:clrMapOvr>
-  <p:timing>
-    <p:tnLst>
-      <p:par>
-        <p:cTn id="1" dur="indefinite" restart="never" nodeType="tmRoot"/>
-      </p:par>
-    </p:tnLst>
-  </p:timing>
 </p:sld>
 </file>
 
@@ -16985,7 +16943,7 @@
           <p:cNvPr id="19" name="Текст 18">
             <a:extLst>
               <a:ext uri="{FF2B5EF4-FFF2-40B4-BE49-F238E27FC236}">
-                <a16:creationId xmlns:a16="http://schemas.microsoft.com/office/drawing/2014/main" xmlns="" id="{69A0BBE2-5515-4C72-B1A2-65E8614B9C1D}"/>
+                <a16:creationId xmlns:a16="http://schemas.microsoft.com/office/drawing/2014/main" id="{69A0BBE2-5515-4C72-B1A2-65E8614B9C1D}"/>
               </a:ext>
             </a:extLst>
           </p:cNvPr>
@@ -17019,8 +16977,8 @@
         </p:nvSpPr>
         <p:spPr>
           <a:xfrm>
-            <a:off x="2391710" y="3132439"/>
-            <a:ext cx="8132479" cy="1071062"/>
+            <a:off x="3053804" y="3132439"/>
+            <a:ext cx="6084392" cy="1071062"/>
           </a:xfrm>
         </p:spPr>
         <p:txBody>
@@ -17046,13 +17004,6 @@
   <p:clrMapOvr>
     <a:masterClrMapping/>
   </p:clrMapOvr>
-  <p:timing>
-    <p:tnLst>
-      <p:par>
-        <p:cTn id="1" dur="indefinite" restart="never" nodeType="tmRoot"/>
-      </p:par>
-    </p:tnLst>
-  </p:timing>
 </p:sld>
 </file>
 
@@ -17083,48 +17034,6 @@
       </p:grpSpPr>
       <p:sp>
         <p:nvSpPr>
-          <p:cNvPr id="27" name="Скругленный прямоугольник 26">
-            <a:extLst>
-              <a:ext uri="{FF2B5EF4-FFF2-40B4-BE49-F238E27FC236}">
-                <a16:creationId xmlns:a16="http://schemas.microsoft.com/office/drawing/2014/main" xmlns="" id="{7738670C-BCBF-EA7A-8268-9671F614AC54}"/>
-              </a:ext>
-            </a:extLst>
-          </p:cNvPr>
-          <p:cNvSpPr/>
-          <p:nvPr/>
-        </p:nvSpPr>
-        <p:spPr>
-          <a:xfrm>
-            <a:off x="6418459" y="3025829"/>
-            <a:ext cx="3940233" cy="2728234"/>
-          </a:xfrm>
-          <a:prstGeom prst="roundRect">
-            <a:avLst>
-              <a:gd name="adj" fmla="val 6307"/>
-            </a:avLst>
-          </a:prstGeom>
-          <a:solidFill>
-            <a:srgbClr val="0F5F90"/>
-          </a:solidFill>
-        </p:spPr>
-        <p:txBody>
-          <a:bodyPr wrap="square" rtlCol="0" anchor="ctr">
-            <a:spAutoFit/>
-          </a:bodyPr>
-          <a:lstStyle/>
-          <a:p>
-            <a:pPr marL="0" algn="l" defTabSz="914400" rtl="0" eaLnBrk="1" latinLnBrk="0" hangingPunct="1"/>
-            <a:endParaRPr lang="ru-RU" sz="1200" b="1" dirty="0">
-              <a:solidFill>
-                <a:srgbClr val="0F608F"/>
-              </a:solidFill>
-              <a:hlinkClick r:id="rId2"/>
-            </a:endParaRPr>
-          </a:p>
-        </p:txBody>
-      </p:sp>
-      <p:sp>
-        <p:nvSpPr>
           <p:cNvPr id="5" name="Номер слайда 4"/>
           <p:cNvSpPr>
             <a:spLocks noGrp="1"/>
@@ -17205,8 +17114,8 @@
         </p:nvSpPr>
         <p:spPr>
           <a:xfrm>
-            <a:off x="-256539" y="606739"/>
-            <a:ext cx="8132479" cy="558614"/>
+            <a:off x="8323818" y="451207"/>
+            <a:ext cx="3303940" cy="558614"/>
           </a:xfrm>
         </p:spPr>
         <p:txBody>
@@ -17227,7 +17136,7 @@
           <p:cNvPr id="3" name="Прямоугольник 2">
             <a:extLst>
               <a:ext uri="{FF2B5EF4-FFF2-40B4-BE49-F238E27FC236}">
-                <a16:creationId xmlns:a16="http://schemas.microsoft.com/office/drawing/2014/main" xmlns="" id="{F680404A-4AE7-1B13-3B8D-6BD8B14E4D28}"/>
+                <a16:creationId xmlns:a16="http://schemas.microsoft.com/office/drawing/2014/main" id="{F680404A-4AE7-1B13-3B8D-6BD8B14E4D28}"/>
               </a:ext>
             </a:extLst>
           </p:cNvPr>
@@ -17249,10 +17158,10 @@
       </p:sp>
       <p:sp>
         <p:nvSpPr>
-          <p:cNvPr id="26" name="Скругленный прямоугольник 25">
+          <p:cNvPr id="7" name="Полилиния 6">
             <a:extLst>
               <a:ext uri="{FF2B5EF4-FFF2-40B4-BE49-F238E27FC236}">
-                <a16:creationId xmlns:a16="http://schemas.microsoft.com/office/drawing/2014/main" xmlns="" id="{D34A4246-BBBF-652B-4B18-7D9A247C38C4}"/>
+                <a16:creationId xmlns:a16="http://schemas.microsoft.com/office/drawing/2014/main" id="{C7968B04-5BCE-786F-4D07-91B33E3BBC5E}"/>
               </a:ext>
             </a:extLst>
           </p:cNvPr>
@@ -17261,50 +17170,8 @@
         </p:nvSpPr>
         <p:spPr>
           <a:xfrm>
-            <a:off x="1512910" y="3025829"/>
-            <a:ext cx="4260632" cy="2728234"/>
-          </a:xfrm>
-          <a:prstGeom prst="roundRect">
-            <a:avLst>
-              <a:gd name="adj" fmla="val 6307"/>
-            </a:avLst>
-          </a:prstGeom>
-          <a:solidFill>
-            <a:srgbClr val="0F5F90"/>
-          </a:solidFill>
-        </p:spPr>
-        <p:txBody>
-          <a:bodyPr wrap="square" rtlCol="0" anchor="ctr">
-            <a:spAutoFit/>
-          </a:bodyPr>
-          <a:lstStyle/>
-          <a:p>
-            <a:pPr marL="0" algn="l" defTabSz="914400" rtl="0" eaLnBrk="1" latinLnBrk="0" hangingPunct="1"/>
-            <a:endParaRPr lang="ru-RU" sz="1200" b="1" dirty="0">
-              <a:solidFill>
-                <a:srgbClr val="0F608F"/>
-              </a:solidFill>
-              <a:hlinkClick r:id="rId2"/>
-            </a:endParaRPr>
-          </a:p>
-        </p:txBody>
-      </p:sp>
-      <p:sp>
-        <p:nvSpPr>
-          <p:cNvPr id="7" name="Полилиния 6">
-            <a:extLst>
-              <a:ext uri="{FF2B5EF4-FFF2-40B4-BE49-F238E27FC236}">
-                <a16:creationId xmlns:a16="http://schemas.microsoft.com/office/drawing/2014/main" xmlns="" id="{C7968B04-5BCE-786F-4D07-91B33E3BBC5E}"/>
-              </a:ext>
-            </a:extLst>
-          </p:cNvPr>
-          <p:cNvSpPr/>
-          <p:nvPr/>
-        </p:nvSpPr>
-        <p:spPr>
-          <a:xfrm>
-            <a:off x="1725476" y="3139863"/>
-            <a:ext cx="3873732" cy="2563912"/>
+            <a:off x="787148" y="3101474"/>
+            <a:ext cx="4932478" cy="2563912"/>
           </a:xfrm>
           <a:custGeom>
             <a:avLst/>
@@ -17432,6 +17299,28 @@
           <a:p>
             <a:pPr marL="0" lvl="0" indent="0" defTabSz="977900" rtl="0">
               <a:lnSpc>
+                <a:spcPct val="150000"/>
+              </a:lnSpc>
+              <a:spcBef>
+                <a:spcPct val="0"/>
+              </a:spcBef>
+              <a:spcAft>
+                <a:spcPct val="35000"/>
+              </a:spcAft>
+              <a:buNone/>
+            </a:pPr>
+            <a:r>
+              <a:rPr lang="ru-RU" sz="2000" b="1" kern="1200" dirty="0">
+                <a:solidFill>
+                  <a:schemeClr val="tx1"/>
+                </a:solidFill>
+              </a:rPr>
+              <a:t>Данный курс предназначен для следующих групп слушателей:</a:t>
+            </a:r>
+          </a:p>
+          <a:p>
+            <a:pPr marL="0" lvl="0" indent="0" defTabSz="977900" rtl="0">
+              <a:lnSpc>
                 <a:spcPct val="90000"/>
               </a:lnSpc>
               <a:spcBef>
@@ -17442,25 +17331,9 @@
               </a:spcAft>
               <a:buNone/>
             </a:pPr>
-            <a:r>
-              <a:rPr lang="ru-RU" sz="2000" b="1" kern="1200" dirty="0">
-                <a:solidFill>
-                  <a:schemeClr val="bg1"/>
-                </a:solidFill>
-              </a:rPr>
-              <a:t>Данный курс предназначен для следующих групп слушателей</a:t>
-            </a:r>
-            <a:r>
-              <a:rPr lang="ru-RU" sz="2000" b="1" kern="1200" dirty="0" smtClean="0">
-                <a:solidFill>
-                  <a:schemeClr val="bg1"/>
-                </a:solidFill>
-              </a:rPr>
-              <a:t>:</a:t>
-            </a:r>
-            <a:endParaRPr lang="ru-RU" sz="2000" dirty="0" smtClean="0">
+            <a:endParaRPr lang="ru-RU" sz="2000" dirty="0">
               <a:solidFill>
-                <a:schemeClr val="bg1"/>
+                <a:schemeClr val="tx1"/>
               </a:solidFill>
             </a:endParaRPr>
           </a:p>
@@ -17479,9 +17352,9 @@
               <a:buChar char="•"/>
             </a:pPr>
             <a:r>
-              <a:rPr lang="ru-RU" sz="2000" dirty="0" smtClean="0">
-                <a:solidFill>
-                  <a:schemeClr val="bg1"/>
+              <a:rPr lang="ru-RU" sz="2000" dirty="0">
+                <a:solidFill>
+                  <a:schemeClr val="tx1"/>
                 </a:solidFill>
               </a:rPr>
               <a:t>консультантов;</a:t>
@@ -17502,18 +17375,13 @@
               <a:buChar char="•"/>
             </a:pPr>
             <a:r>
-              <a:rPr lang="ru-RU" sz="2000" dirty="0" smtClean="0">
-                <a:solidFill>
-                  <a:schemeClr val="bg1"/>
+              <a:rPr lang="ru-RU" sz="2000" dirty="0">
+                <a:solidFill>
+                  <a:schemeClr val="tx1"/>
                 </a:solidFill>
               </a:rPr>
               <a:t>членов проектных групп;</a:t>
             </a:r>
-            <a:endParaRPr lang="ru-RU" sz="2000" dirty="0">
-              <a:solidFill>
-                <a:schemeClr val="bg1"/>
-              </a:solidFill>
-            </a:endParaRPr>
           </a:p>
           <a:p>
             <a:pPr marL="285750" indent="-285750" defTabSz="977900">
@@ -17532,22 +17400,22 @@
             <a:r>
               <a:rPr lang="ru-RU" sz="2000" dirty="0">
                 <a:solidFill>
-                  <a:schemeClr val="bg1"/>
+                  <a:schemeClr val="tx1"/>
                 </a:solidFill>
               </a:rPr>
               <a:t>не-программистов</a:t>
             </a:r>
             <a:r>
-              <a:rPr lang="ru-RU" sz="2000" b="1" dirty="0" smtClean="0">
-                <a:solidFill>
-                  <a:schemeClr val="bg1"/>
+              <a:rPr lang="ru-RU" sz="2000" b="1" dirty="0">
+                <a:solidFill>
+                  <a:schemeClr val="tx1"/>
                 </a:solidFill>
               </a:rPr>
               <a:t>.</a:t>
             </a:r>
             <a:endParaRPr lang="ru-RU" sz="2000" b="1" kern="1200" dirty="0">
               <a:solidFill>
-                <a:schemeClr val="bg1"/>
+                <a:schemeClr val="tx1"/>
               </a:solidFill>
             </a:endParaRPr>
           </a:p>
@@ -17558,7 +17426,7 @@
           <p:cNvPr id="13" name="Полилиния 12">
             <a:extLst>
               <a:ext uri="{FF2B5EF4-FFF2-40B4-BE49-F238E27FC236}">
-                <a16:creationId xmlns:a16="http://schemas.microsoft.com/office/drawing/2014/main" xmlns="" id="{CAA619D2-DE30-1804-D06F-0EA91248E7D1}"/>
+                <a16:creationId xmlns:a16="http://schemas.microsoft.com/office/drawing/2014/main" id="{CAA619D2-DE30-1804-D06F-0EA91248E7D1}"/>
               </a:ext>
             </a:extLst>
           </p:cNvPr>
@@ -17567,8 +17435,8 @@
         </p:nvSpPr>
         <p:spPr>
           <a:xfrm>
-            <a:off x="6564524" y="3262500"/>
-            <a:ext cx="3727667" cy="2254892"/>
+            <a:off x="6564524" y="3101474"/>
+            <a:ext cx="4894245" cy="1827293"/>
           </a:xfrm>
           <a:custGeom>
             <a:avLst/>
@@ -17714,11 +17582,49 @@
             <a:r>
               <a:rPr lang="ru-RU" sz="2000" b="1" kern="1200" dirty="0">
                 <a:solidFill>
-                  <a:schemeClr val="bg1"/>
+                  <a:schemeClr val="tx1"/>
                 </a:solidFill>
               </a:rPr>
               <a:t>Требуемые знания:</a:t>
             </a:r>
+          </a:p>
+          <a:p>
+            <a:pPr marL="0" lvl="0" indent="0" defTabSz="977900" rtl="0">
+              <a:lnSpc>
+                <a:spcPct val="90000"/>
+              </a:lnSpc>
+              <a:spcBef>
+                <a:spcPct val="0"/>
+              </a:spcBef>
+              <a:spcAft>
+                <a:spcPct val="35000"/>
+              </a:spcAft>
+              <a:buNone/>
+            </a:pPr>
+            <a:endParaRPr lang="ru-RU" sz="2000" b="1" kern="1200" dirty="0">
+              <a:solidFill>
+                <a:schemeClr val="tx1"/>
+              </a:solidFill>
+            </a:endParaRPr>
+          </a:p>
+          <a:p>
+            <a:pPr marL="0" lvl="0" indent="0" defTabSz="977900" rtl="0">
+              <a:lnSpc>
+                <a:spcPct val="90000"/>
+              </a:lnSpc>
+              <a:spcBef>
+                <a:spcPct val="0"/>
+              </a:spcBef>
+              <a:spcAft>
+                <a:spcPct val="35000"/>
+              </a:spcAft>
+              <a:buNone/>
+            </a:pPr>
+            <a:endParaRPr lang="ru-RU" sz="2000" b="1" kern="1200" dirty="0">
+              <a:solidFill>
+                <a:schemeClr val="tx1"/>
+              </a:solidFill>
+            </a:endParaRPr>
           </a:p>
           <a:p>
             <a:pPr marL="342900" indent="-342900" defTabSz="977900">
@@ -17735,40 +17641,24 @@
               <a:buChar char="•"/>
             </a:pPr>
             <a:r>
-              <a:rPr lang="ru-RU" sz="2000" dirty="0" smtClean="0">
-                <a:solidFill>
-                  <a:schemeClr val="bg1"/>
+              <a:rPr lang="ru-RU" sz="2000" dirty="0">
+                <a:solidFill>
+                  <a:schemeClr val="tx1"/>
                 </a:solidFill>
               </a:rPr>
-              <a:t>Общие </a:t>
-            </a:r>
-            <a:r>
-              <a:rPr lang="ru-RU" sz="2000" dirty="0">
-                <a:solidFill>
-                  <a:schemeClr val="bg1"/>
-                </a:solidFill>
-              </a:rPr>
-              <a:t>принципы </a:t>
-            </a:r>
-            <a:r>
-              <a:rPr lang="ru-RU" sz="2000" dirty="0" smtClean="0">
-                <a:solidFill>
-                  <a:schemeClr val="bg1"/>
-                </a:solidFill>
-              </a:rPr>
-              <a:t>работы с </a:t>
-            </a:r>
-            <a:r>
-              <a:rPr lang="en-US" sz="2000" dirty="0" smtClean="0">
-                <a:solidFill>
-                  <a:schemeClr val="bg1"/>
+              <a:t>Общие принципы работы с </a:t>
+            </a:r>
+            <a:r>
+              <a:rPr lang="en-US" sz="2000" dirty="0">
+                <a:solidFill>
+                  <a:schemeClr val="tx1"/>
                 </a:solidFill>
               </a:rPr>
               <a:t> SAP.</a:t>
             </a:r>
             <a:endParaRPr lang="ru-RU" sz="2000" dirty="0">
               <a:solidFill>
-                <a:schemeClr val="bg1"/>
+                <a:schemeClr val="tx1"/>
               </a:solidFill>
             </a:endParaRPr>
           </a:p>
@@ -17779,7 +17669,7 @@
           <p:cNvPr id="23" name="Рисунок 22" descr="Программист">
             <a:extLst>
               <a:ext uri="{FF2B5EF4-FFF2-40B4-BE49-F238E27FC236}">
-                <a16:creationId xmlns:a16="http://schemas.microsoft.com/office/drawing/2014/main" xmlns="" id="{AB0F0674-10FD-EE7A-410A-CA6FF9EBDBB1}"/>
+                <a16:creationId xmlns:a16="http://schemas.microsoft.com/office/drawing/2014/main" id="{AB0F0674-10FD-EE7A-410A-CA6FF9EBDBB1}"/>
               </a:ext>
             </a:extLst>
           </p:cNvPr>
@@ -17789,13 +17679,13 @@
           <p:nvPr/>
         </p:nvPicPr>
         <p:blipFill>
-          <a:blip r:embed="rId3" cstate="print">
+          <a:blip r:embed="rId2" cstate="print">
             <a:extLst>
               <a:ext uri="{28A0092B-C50C-407E-A947-70E740481C1C}">
                 <a14:useLocalDpi xmlns:a14="http://schemas.microsoft.com/office/drawing/2010/main" val="0"/>
               </a:ext>
               <a:ext uri="{96DAC541-7B7A-43D3-8B79-37D633B846F1}">
-                <asvg:svgBlip xmlns:asvg="http://schemas.microsoft.com/office/drawing/2016/SVG/main" xmlns="" r:embed="rId4"/>
+                <asvg:svgBlip xmlns:asvg="http://schemas.microsoft.com/office/drawing/2016/SVG/main" r:embed="rId3"/>
               </a:ext>
             </a:extLst>
           </a:blip>
@@ -17805,7 +17695,7 @@
         </p:blipFill>
         <p:spPr>
           <a:xfrm>
-            <a:off x="2835628" y="1762426"/>
+            <a:off x="2288496" y="1670187"/>
             <a:ext cx="1121679" cy="1121679"/>
           </a:xfrm>
           <a:prstGeom prst="rect">
@@ -17818,7 +17708,7 @@
           <p:cNvPr id="25" name="Рисунок 24" descr="Голова с шестеренками">
             <a:extLst>
               <a:ext uri="{FF2B5EF4-FFF2-40B4-BE49-F238E27FC236}">
-                <a16:creationId xmlns:a16="http://schemas.microsoft.com/office/drawing/2014/main" xmlns="" id="{57245766-0F0A-8659-9983-EF4A2EB8D62E}"/>
+                <a16:creationId xmlns:a16="http://schemas.microsoft.com/office/drawing/2014/main" id="{57245766-0F0A-8659-9983-EF4A2EB8D62E}"/>
               </a:ext>
             </a:extLst>
           </p:cNvPr>
@@ -17828,13 +17718,13 @@
           <p:nvPr/>
         </p:nvPicPr>
         <p:blipFill>
-          <a:blip r:embed="rId5" cstate="print">
+          <a:blip r:embed="rId4" cstate="print">
             <a:extLst>
               <a:ext uri="{28A0092B-C50C-407E-A947-70E740481C1C}">
                 <a14:useLocalDpi xmlns:a14="http://schemas.microsoft.com/office/drawing/2010/main" val="0"/>
               </a:ext>
               <a:ext uri="{96DAC541-7B7A-43D3-8B79-37D633B846F1}">
-                <asvg:svgBlip xmlns:asvg="http://schemas.microsoft.com/office/drawing/2016/SVG/main" xmlns="" r:embed="rId6"/>
+                <asvg:svgBlip xmlns:asvg="http://schemas.microsoft.com/office/drawing/2016/SVG/main" r:embed="rId5"/>
               </a:ext>
             </a:extLst>
           </a:blip>
@@ -17844,7 +17734,7 @@
         </p:blipFill>
         <p:spPr>
           <a:xfrm>
-            <a:off x="7875940" y="1929385"/>
+            <a:off x="8517660" y="1728636"/>
             <a:ext cx="987972" cy="987972"/>
           </a:xfrm>
           <a:prstGeom prst="rect">
@@ -17862,13 +17752,6 @@
   <p:clrMapOvr>
     <a:masterClrMapping/>
   </p:clrMapOvr>
-  <p:timing>
-    <p:tnLst>
-      <p:par>
-        <p:cTn id="1" dur="indefinite" restart="never" nodeType="tmRoot"/>
-      </p:par>
-    </p:tnLst>
-  </p:timing>
 </p:sld>
 </file>
 
@@ -17993,7 +17876,7 @@
           <p:cNvPr id="8" name="Подзаголовок 7">
             <a:extLst>
               <a:ext uri="{FF2B5EF4-FFF2-40B4-BE49-F238E27FC236}">
-                <a16:creationId xmlns:a16="http://schemas.microsoft.com/office/drawing/2014/main" xmlns="" id="{4590C966-FE7D-FD8C-8FB4-FB819331432A}"/>
+                <a16:creationId xmlns:a16="http://schemas.microsoft.com/office/drawing/2014/main" id="{4590C966-FE7D-FD8C-8FB4-FB819331432A}"/>
               </a:ext>
             </a:extLst>
           </p:cNvPr>
@@ -18021,10 +17904,10 @@
           <p:cNvPr id="13" name="Объект 12">
             <a:extLst>
               <a:ext uri="{FF2B5EF4-FFF2-40B4-BE49-F238E27FC236}">
-                <a16:creationId xmlns:a16="http://schemas.microsoft.com/office/drawing/2014/main" xmlns="" id="{DD72DF4D-2922-F07B-AD90-2ADF5F2683AB}"/>
+                <a16:creationId xmlns:a16="http://schemas.microsoft.com/office/drawing/2014/main" id="{DD72DF4D-2922-F07B-AD90-2ADF5F2683AB}"/>
               </a:ext>
               <a:ext uri="{C183D7F6-B498-43B3-948B-1728B52AA6E4}">
-                <adec:decorative xmlns:adec="http://schemas.microsoft.com/office/drawing/2017/decorative" xmlns="" val="0"/>
+                <adec:decorative xmlns:adec="http://schemas.microsoft.com/office/drawing/2017/decorative" val="0"/>
               </a:ext>
             </a:extLst>
           </p:cNvPr>
@@ -18035,14 +17918,14 @@
             <p:ph sz="half" idx="16"/>
             <p:extLst>
               <p:ext uri="{D42A27DB-BD31-4B8C-83A1-F6EECF244321}">
-                <p14:modId xmlns:p14="http://schemas.microsoft.com/office/powerpoint/2010/main" val="1975054020"/>
+                <p14:modId xmlns:p14="http://schemas.microsoft.com/office/powerpoint/2010/main" val="3372235806"/>
               </p:ext>
             </p:extLst>
           </p:nvPr>
         </p:nvGraphicFramePr>
         <p:xfrm>
-          <a:off x="2440068" y="2074295"/>
-          <a:ext cx="8027276" cy="4088263"/>
+          <a:off x="1055688" y="2074295"/>
+          <a:ext cx="9773281" cy="4088263"/>
         </p:xfrm>
         <a:graphic>
           <a:graphicData uri="http://schemas.openxmlformats.org/drawingml/2006/diagram">
@@ -18055,7 +17938,7 @@
           <p:cNvPr id="22" name="Подзаголовок 7">
             <a:extLst>
               <a:ext uri="{FF2B5EF4-FFF2-40B4-BE49-F238E27FC236}">
-                <a16:creationId xmlns:a16="http://schemas.microsoft.com/office/drawing/2014/main" xmlns="" id="{CBD2CD28-3AA5-AB86-72D3-D345A77ECA0E}"/>
+                <a16:creationId xmlns:a16="http://schemas.microsoft.com/office/drawing/2014/main" id="{CBD2CD28-3AA5-AB86-72D3-D345A77ECA0E}"/>
               </a:ext>
             </a:extLst>
           </p:cNvPr>
@@ -18066,8 +17949,8 @@
         </p:nvSpPr>
         <p:spPr>
           <a:xfrm>
-            <a:off x="2715677" y="2294000"/>
-            <a:ext cx="516568" cy="323165"/>
+            <a:off x="1666077" y="2288141"/>
+            <a:ext cx="321105" cy="323165"/>
           </a:xfrm>
           <a:prstGeom prst="rect">
             <a:avLst/>
@@ -18254,7 +18137,7 @@
           <p:cNvPr id="23" name="Подзаголовок 7">
             <a:extLst>
               <a:ext uri="{FF2B5EF4-FFF2-40B4-BE49-F238E27FC236}">
-                <a16:creationId xmlns:a16="http://schemas.microsoft.com/office/drawing/2014/main" xmlns="" id="{D022032B-09A8-9C78-70E0-6881898F7DCA}"/>
+                <a16:creationId xmlns:a16="http://schemas.microsoft.com/office/drawing/2014/main" id="{D022032B-09A8-9C78-70E0-6881898F7DCA}"/>
               </a:ext>
             </a:extLst>
           </p:cNvPr>
@@ -18265,8 +18148,8 @@
         </p:nvSpPr>
         <p:spPr>
           <a:xfrm>
-            <a:off x="2731872" y="3092988"/>
-            <a:ext cx="516568" cy="323165"/>
+            <a:off x="1659517" y="3148318"/>
+            <a:ext cx="327665" cy="323165"/>
           </a:xfrm>
           <a:prstGeom prst="rect">
             <a:avLst/>
@@ -18453,7 +18336,7 @@
           <p:cNvPr id="24" name="Подзаголовок 7">
             <a:extLst>
               <a:ext uri="{FF2B5EF4-FFF2-40B4-BE49-F238E27FC236}">
-                <a16:creationId xmlns:a16="http://schemas.microsoft.com/office/drawing/2014/main" xmlns="" id="{4707A704-12E9-6451-C97D-7A0B88EB518E}"/>
+                <a16:creationId xmlns:a16="http://schemas.microsoft.com/office/drawing/2014/main" id="{4707A704-12E9-6451-C97D-7A0B88EB518E}"/>
               </a:ext>
             </a:extLst>
           </p:cNvPr>
@@ -18464,8 +18347,8 @@
         </p:nvSpPr>
         <p:spPr>
           <a:xfrm>
-            <a:off x="2735602" y="4001685"/>
-            <a:ext cx="516568" cy="323165"/>
+            <a:off x="1659517" y="4008495"/>
+            <a:ext cx="260986" cy="323166"/>
           </a:xfrm>
           <a:prstGeom prst="rect">
             <a:avLst/>
@@ -18652,7 +18535,7 @@
           <p:cNvPr id="26" name="Подзаголовок 7">
             <a:extLst>
               <a:ext uri="{FF2B5EF4-FFF2-40B4-BE49-F238E27FC236}">
-                <a16:creationId xmlns:a16="http://schemas.microsoft.com/office/drawing/2014/main" xmlns="" id="{9D250BE9-DB60-2168-BE11-FA1B61FFEE41}"/>
+                <a16:creationId xmlns:a16="http://schemas.microsoft.com/office/drawing/2014/main" id="{9D250BE9-DB60-2168-BE11-FA1B61FFEE41}"/>
               </a:ext>
             </a:extLst>
           </p:cNvPr>
@@ -18663,8 +18546,8 @@
         </p:nvSpPr>
         <p:spPr>
           <a:xfrm>
-            <a:off x="2731872" y="4844030"/>
-            <a:ext cx="516568" cy="323165"/>
+            <a:off x="1673788" y="4868673"/>
+            <a:ext cx="264716" cy="323165"/>
           </a:xfrm>
           <a:prstGeom prst="rect">
             <a:avLst/>
@@ -18851,7 +18734,7 @@
           <p:cNvPr id="27" name="Подзаголовок 7">
             <a:extLst>
               <a:ext uri="{FF2B5EF4-FFF2-40B4-BE49-F238E27FC236}">
-                <a16:creationId xmlns:a16="http://schemas.microsoft.com/office/drawing/2014/main" xmlns="" id="{4D093A6F-98C1-F71D-E8A3-2172F15908FA}"/>
+                <a16:creationId xmlns:a16="http://schemas.microsoft.com/office/drawing/2014/main" id="{4D093A6F-98C1-F71D-E8A3-2172F15908FA}"/>
               </a:ext>
             </a:extLst>
           </p:cNvPr>
@@ -18862,8 +18745,8 @@
         </p:nvSpPr>
         <p:spPr>
           <a:xfrm>
-            <a:off x="2741232" y="5710186"/>
-            <a:ext cx="516568" cy="323165"/>
+            <a:off x="1706688" y="5684782"/>
+            <a:ext cx="277390" cy="323165"/>
           </a:xfrm>
           <a:prstGeom prst="rect">
             <a:avLst/>
@@ -19055,13 +18938,6 @@
   <p:clrMapOvr>
     <a:masterClrMapping/>
   </p:clrMapOvr>
-  <p:timing>
-    <p:tnLst>
-      <p:par>
-        <p:cTn id="1" dur="indefinite" restart="never" nodeType="tmRoot"/>
-      </p:par>
-    </p:tnLst>
-  </p:timing>
 </p:sld>
 </file>
 
@@ -19186,7 +19062,7 @@
           <p:cNvPr id="8" name="Подзаголовок 7">
             <a:extLst>
               <a:ext uri="{FF2B5EF4-FFF2-40B4-BE49-F238E27FC236}">
-                <a16:creationId xmlns:a16="http://schemas.microsoft.com/office/drawing/2014/main" xmlns="" id="{4590C966-FE7D-FD8C-8FB4-FB819331432A}"/>
+                <a16:creationId xmlns:a16="http://schemas.microsoft.com/office/drawing/2014/main" id="{4590C966-FE7D-FD8C-8FB4-FB819331432A}"/>
               </a:ext>
             </a:extLst>
           </p:cNvPr>
@@ -19223,7 +19099,7 @@
           <p:cNvPr id="9" name="Объект 8">
             <a:extLst>
               <a:ext uri="{FF2B5EF4-FFF2-40B4-BE49-F238E27FC236}">
-                <a16:creationId xmlns:a16="http://schemas.microsoft.com/office/drawing/2014/main" xmlns="" id="{1096F6AF-9582-7AEC-C26D-F33E845C2034}"/>
+                <a16:creationId xmlns:a16="http://schemas.microsoft.com/office/drawing/2014/main" id="{1096F6AF-9582-7AEC-C26D-F33E845C2034}"/>
               </a:ext>
             </a:extLst>
           </p:cNvPr>
@@ -19234,14 +19110,14 @@
             <p:ph sz="half" idx="16"/>
             <p:extLst>
               <p:ext uri="{D42A27DB-BD31-4B8C-83A1-F6EECF244321}">
-                <p14:modId xmlns:p14="http://schemas.microsoft.com/office/powerpoint/2010/main" val="2292186832"/>
+                <p14:modId xmlns:p14="http://schemas.microsoft.com/office/powerpoint/2010/main" val="4176148554"/>
               </p:ext>
             </p:extLst>
           </p:nvPr>
         </p:nvGraphicFramePr>
         <p:xfrm>
-          <a:off x="2336731" y="1996427"/>
-          <a:ext cx="7616738" cy="4153660"/>
+          <a:off x="859316" y="2069296"/>
+          <a:ext cx="10245685" cy="4153660"/>
         </p:xfrm>
         <a:graphic>
           <a:graphicData uri="http://schemas.openxmlformats.org/drawingml/2006/diagram">
@@ -19259,13 +19135,6 @@
   <p:clrMapOvr>
     <a:masterClrMapping/>
   </p:clrMapOvr>
-  <p:timing>
-    <p:tnLst>
-      <p:par>
-        <p:cTn id="1" dur="indefinite" restart="never" nodeType="tmRoot"/>
-      </p:par>
-    </p:tnLst>
-  </p:timing>
 </p:sld>
 </file>
 
@@ -19352,7 +19221,7 @@
           <p:cNvPr id="6" name="Текст 5">
             <a:extLst>
               <a:ext uri="{FF2B5EF4-FFF2-40B4-BE49-F238E27FC236}">
-                <a16:creationId xmlns:a16="http://schemas.microsoft.com/office/drawing/2014/main" xmlns="" id="{B747C6D0-C57B-4065-9F3C-37FC815E7099}"/>
+                <a16:creationId xmlns:a16="http://schemas.microsoft.com/office/drawing/2014/main" id="{B747C6D0-C57B-4065-9F3C-37FC815E7099}"/>
               </a:ext>
             </a:extLst>
           </p:cNvPr>
@@ -19391,16 +19260,12 @@
           </a:p>
           <a:p>
             <a:r>
+              <a:rPr lang="ru-RU" b="0" dirty="0" err="1"/>
+              <a:t>Email</a:t>
+            </a:r>
+            <a:r>
               <a:rPr lang="ru-RU" b="0" dirty="0"/>
-              <a:t>E-</a:t>
-            </a:r>
-            <a:r>
-              <a:rPr lang="ru-RU" b="0" dirty="0" err="1"/>
-              <a:t>mail</a:t>
-            </a:r>
-            <a:r>
-              <a:rPr lang="ru-RU" b="0" dirty="0"/>
-              <a:t>:</a:t>
+              <a:t>: </a:t>
             </a:r>
           </a:p>
         </p:txBody>
@@ -19422,10 +19287,10 @@
           <a:p>
             <a:r>
               <a:rPr lang="en-US" dirty="0">
-                <a:hlinkClick r:id="rId2">
+                <a:hlinkClick r:id="rId3">
                   <a:extLst>
                     <a:ext uri="{A12FA001-AC4F-418D-AE19-62706E023703}">
-                      <ahyp:hlinkClr xmlns:ahyp="http://schemas.microsoft.com/office/drawing/2018/hyperlinkcolor" xmlns="" val="tx"/>
+                      <ahyp:hlinkClr xmlns:ahyp="http://schemas.microsoft.com/office/drawing/2018/hyperlinkcolor" val="tx"/>
                     </a:ext>
                   </a:extLst>
                 </a:hlinkClick>
@@ -19456,10 +19321,10 @@
           <a:p>
             <a:r>
               <a:rPr lang="en-US" dirty="0">
-                <a:hlinkClick r:id="rId3">
+                <a:hlinkClick r:id="rId4">
                   <a:extLst>
                     <a:ext uri="{A12FA001-AC4F-418D-AE19-62706E023703}">
-                      <ahyp:hlinkClr xmlns:ahyp="http://schemas.microsoft.com/office/drawing/2018/hyperlinkcolor" xmlns="" val="tx"/>
+                      <ahyp:hlinkClr xmlns:ahyp="http://schemas.microsoft.com/office/drawing/2018/hyperlinkcolor" val="tx"/>
                     </a:ext>
                   </a:extLst>
                 </a:hlinkClick>
@@ -19475,7 +19340,7 @@
           <p:cNvPr id="8" name="Рисунок 7">
             <a:extLst>
               <a:ext uri="{FF2B5EF4-FFF2-40B4-BE49-F238E27FC236}">
-                <a16:creationId xmlns:a16="http://schemas.microsoft.com/office/drawing/2014/main" xmlns="" id="{F127A759-B5B3-47A3-6922-AE6E182A27C4}"/>
+                <a16:creationId xmlns:a16="http://schemas.microsoft.com/office/drawing/2014/main" id="{F127A759-B5B3-47A3-6922-AE6E182A27C4}"/>
               </a:ext>
             </a:extLst>
           </p:cNvPr>
@@ -19487,7 +19352,7 @@
           </p:nvPr>
         </p:nvPicPr>
         <p:blipFill>
-          <a:blip r:embed="rId4" cstate="print">
+          <a:blip r:embed="rId5" cstate="print">
             <a:extLst>
               <a:ext uri="{28A0092B-C50C-407E-A947-70E740481C1C}">
                 <a14:useLocalDpi xmlns:a14="http://schemas.microsoft.com/office/drawing/2010/main" val="0"/>
@@ -19511,13 +19376,11 @@
   <p:clrMapOvr>
     <a:masterClrMapping/>
   </p:clrMapOvr>
-  <p:timing>
-    <p:tnLst>
-      <p:par>
-        <p:cTn id="1" dur="indefinite" restart="never" nodeType="tmRoot"/>
-      </p:par>
-    </p:tnLst>
-  </p:timing>
+  <p:extLst>
+    <p:ext uri="{6950BFC3-D8DA-4A85-94F7-54DA5524770B}">
+      <p188:commentRel xmlns:p188="http://schemas.microsoft.com/office/powerpoint/2018/8/main" r:id="rId2"/>
+    </p:ext>
+  </p:extLst>
 </p:sld>
 </file>
 
@@ -19750,7 +19613,7 @@
   <a:extraClrSchemeLst/>
   <a:extLst>
     <a:ext uri="{05A4C25C-085E-4340-85A3-A5531E510DB2}">
-      <thm15:themeFamily xmlns:thm15="http://schemas.microsoft.com/office/thememl/2012/main" xmlns="" name="Office Theme" id="{62F939B6-93AF-4DB8-9C6B-D6C7DFDC589F}" vid="{4A3C46E8-61CC-4603-A589-7422A47A8E4A}"/>
+      <thm15:themeFamily xmlns:thm15="http://schemas.microsoft.com/office/thememl/2012/main" name="Office Theme" id="{62F939B6-93AF-4DB8-9C6B-D6C7DFDC589F}" vid="{4A3C46E8-61CC-4603-A589-7422A47A8E4A}"/>
     </a:ext>
   </a:extLst>
 </a:theme>
@@ -20011,7 +19874,7 @@
   <a:extraClrSchemeLst/>
   <a:extLst>
     <a:ext uri="{05A4C25C-085E-4340-85A3-A5531E510DB2}">
-      <thm15:themeFamily xmlns:thm15="http://schemas.microsoft.com/office/thememl/2012/main" xmlns="" name="Office Theme" id="{62F939B6-93AF-4DB8-9C6B-D6C7DFDC589F}" vid="{4A3C46E8-61CC-4603-A589-7422A47A8E4A}"/>
+      <thm15:themeFamily xmlns:thm15="http://schemas.microsoft.com/office/thememl/2012/main" name="Office Theme" id="{62F939B6-93AF-4DB8-9C6B-D6C7DFDC589F}" vid="{4A3C46E8-61CC-4603-A589-7422A47A8E4A}"/>
     </a:ext>
   </a:extLst>
 </a:theme>

--- a/Введение в ABAP/Презентации/ABAP_prog_intro.pptx
+++ b/Введение в ABAP/Презентации/ABAP_prog_intro.pptx
@@ -5981,7 +5981,7 @@
           <a:p>
             <a:fld id="{D67BA9A0-A646-4CCA-BE82-DFEEB105D01C}" type="datetimeFigureOut">
               <a:rPr lang="ru-RU" smtClean="0"/>
-              <a:t>20.06.2022</a:t>
+              <a:t>23.06.2022</a:t>
             </a:fld>
             <a:endParaRPr lang="ru-RU"/>
           </a:p>
@@ -6409,7 +6409,7 @@
             <a:fld id="{32B4128E-1E69-4610-B11E-AF36D8D9B333}" type="datetime4">
               <a:rPr lang="ru-RU" smtClean="0"/>
               <a:pPr/>
-              <a:t>20 июня 2022 г.</a:t>
+              <a:t>23 июня 2022 г.</a:t>
             </a:fld>
             <a:endParaRPr lang="ru-RU" dirty="0"/>
           </a:p>
@@ -7635,7 +7635,7 @@
           <a:p>
             <a:fld id="{059D3DF4-362F-4380-B1EC-C2B49D857EA8}" type="datetime1">
               <a:rPr lang="ru-RU" smtClean="0"/>
-              <a:t>20.06.2022</a:t>
+              <a:t>23.06.2022</a:t>
             </a:fld>
             <a:endParaRPr lang="ru-RU"/>
           </a:p>
@@ -7941,7 +7941,7 @@
           <a:p>
             <a:fld id="{5EA31C73-FA4F-406B-8502-FA1E65D36BD7}" type="datetime1">
               <a:rPr lang="ru-RU" smtClean="0"/>
-              <a:t>20.06.2022</a:t>
+              <a:t>23.06.2022</a:t>
             </a:fld>
             <a:endParaRPr lang="ru-RU"/>
           </a:p>
@@ -8182,7 +8182,7 @@
           <a:p>
             <a:fld id="{14287395-72AD-4A8C-BA2C-576493747810}" type="datetime1">
               <a:rPr lang="ru-RU" smtClean="0"/>
-              <a:t>20.06.2022</a:t>
+              <a:t>23.06.2022</a:t>
             </a:fld>
             <a:endParaRPr lang="ru-RU"/>
           </a:p>
@@ -8558,7 +8558,7 @@
           <a:p>
             <a:fld id="{DA28A3CE-537F-49ED-AE1A-56FF5044B791}" type="datetime1">
               <a:rPr lang="ru-RU" smtClean="0"/>
-              <a:t>20.06.2022</a:t>
+              <a:t>23.06.2022</a:t>
             </a:fld>
             <a:endParaRPr lang="ru-RU"/>
           </a:p>
@@ -8665,7 +8665,7 @@
           <a:p>
             <a:fld id="{1BF874A9-BF50-4E85-9833-D42AFF4D2219}" type="datetime1">
               <a:rPr lang="ru-RU" smtClean="0"/>
-              <a:t>20.06.2022</a:t>
+              <a:t>23.06.2022</a:t>
             </a:fld>
             <a:endParaRPr lang="ru-RU"/>
           </a:p>
@@ -8952,7 +8952,7 @@
           <a:p>
             <a:fld id="{23B1EE56-D887-4BA9-BA4E-382BA2E97CD3}" type="datetime1">
               <a:rPr lang="ru-RU" smtClean="0"/>
-              <a:t>20.06.2022</a:t>
+              <a:t>23.06.2022</a:t>
             </a:fld>
             <a:endParaRPr lang="ru-RU"/>
           </a:p>
@@ -9216,7 +9216,7 @@
           <a:p>
             <a:fld id="{A8B00E5A-CEF6-41E8-814E-C6517B32F9D7}" type="datetime1">
               <a:rPr lang="ru-RU" smtClean="0"/>
-              <a:t>20.06.2022</a:t>
+              <a:t>23.06.2022</a:t>
             </a:fld>
             <a:endParaRPr lang="ru-RU"/>
           </a:p>
@@ -9396,7 +9396,7 @@
           <a:p>
             <a:fld id="{F6ED769C-4855-4503-AA88-F1E057B5F3B7}" type="datetime1">
               <a:rPr lang="ru-RU" smtClean="0"/>
-              <a:t>20.06.2022</a:t>
+              <a:t>23.06.2022</a:t>
             </a:fld>
             <a:endParaRPr lang="ru-RU"/>
           </a:p>
@@ -9586,7 +9586,7 @@
           <a:p>
             <a:fld id="{7AFEC6BA-D7B5-43DD-9B88-DFB4D2405577}" type="datetime1">
               <a:rPr lang="ru-RU" smtClean="0"/>
-              <a:t>20.06.2022</a:t>
+              <a:t>23.06.2022</a:t>
             </a:fld>
             <a:endParaRPr lang="ru-RU"/>
           </a:p>
@@ -16106,7 +16106,7 @@
           <a:p>
             <a:fld id="{5B5A1824-DE1E-4399-8590-C35D2F7907FF}" type="datetime1">
               <a:rPr lang="ru-RU" smtClean="0"/>
-              <a:t>20.06.2022</a:t>
+              <a:t>23.06.2022</a:t>
             </a:fld>
             <a:endParaRPr lang="ru-RU" dirty="0"/>
           </a:p>
@@ -16655,7 +16655,7 @@
           <a:p>
             <a:fld id="{85C82742-7E51-420D-BB67-B6F29893C5F1}" type="datetime4">
               <a:rPr lang="ru-RU" smtClean="0"/>
-              <a:t>20 июня 2022 г.</a:t>
+              <a:t>23 июня 2022 г.</a:t>
             </a:fld>
             <a:endParaRPr lang="ru-RU" dirty="0"/>
           </a:p>
@@ -16977,8 +16977,8 @@
         </p:nvSpPr>
         <p:spPr>
           <a:xfrm>
-            <a:off x="3053804" y="3132439"/>
-            <a:ext cx="6084392" cy="1071062"/>
+            <a:off x="3598073" y="2978877"/>
+            <a:ext cx="4995854" cy="900246"/>
           </a:xfrm>
         </p:spPr>
         <p:txBody>
@@ -16988,7 +16988,7 @@
           <a:lstStyle/>
           <a:p>
             <a:r>
-              <a:rPr lang="ru-RU" sz="7200" dirty="0"/>
+              <a:rPr lang="ru-RU" sz="6000" dirty="0"/>
               <a:t>Обзор курса</a:t>
             </a:r>
           </a:p>
